--- a/doc/poster/assets/densenet.pptx
+++ b/doc/poster/assets/densenet.pptx
@@ -5,12 +5,10 @@
     <p:sldMasterId id="2147483648" r:id="rId1"/>
   </p:sldMasterIdLst>
   <p:notesMasterIdLst>
-    <p:notesMasterId r:id="rId5"/>
+    <p:notesMasterId r:id="rId3"/>
   </p:notesMasterIdLst>
   <p:sldIdLst>
-    <p:sldId id="256" r:id="rId2"/>
-    <p:sldId id="257" r:id="rId3"/>
-    <p:sldId id="258" r:id="rId4"/>
+    <p:sldId id="257" r:id="rId2"/>
   </p:sldIdLst>
   <p:sldSz cx="12192000" cy="6858000"/>
   <p:notesSz cx="6858000" cy="9144000"/>
@@ -109,6 +107,11 @@
       </a:defRPr>
     </a:lvl9pPr>
   </p:defaultTextStyle>
+  <p:extLst>
+    <p:ext uri="{EFAFB233-063F-42B5-8137-9DF3F51BA10A}">
+      <p15:sldGuideLst xmlns:p15="http://schemas.microsoft.com/office/powerpoint/2012/main"/>
+    </p:ext>
+  </p:extLst>
 </p:presentation>
 </file>
 
@@ -194,7 +197,7 @@
           <a:p>
             <a:fld id="{B379A219-34CA-B246-9E50-5DF015790CEC}" type="datetimeFigureOut">
               <a:rPr kumimoji="1" lang="zh-CN" altLang="en-US" smtClean="0"/>
-              <a:t>2018/2/3</a:t>
+              <a:t>2018/2/4</a:t>
             </a:fld>
             <a:endParaRPr kumimoji="1" lang="zh-CN" altLang="en-US"/>
           </a:p>
@@ -593,7 +596,7 @@
           <a:p>
             <a:fld id="{CB363CDB-3585-0043-97DF-0B1A74A3C264}" type="datetimeFigureOut">
               <a:rPr kumimoji="1" lang="zh-CN" altLang="en-US" smtClean="0"/>
-              <a:t>2018/2/3</a:t>
+              <a:t>2018/2/4</a:t>
             </a:fld>
             <a:endParaRPr kumimoji="1" lang="zh-CN" altLang="en-US"/>
           </a:p>
@@ -763,7 +766,7 @@
           <a:p>
             <a:fld id="{CB363CDB-3585-0043-97DF-0B1A74A3C264}" type="datetimeFigureOut">
               <a:rPr kumimoji="1" lang="zh-CN" altLang="en-US" smtClean="0"/>
-              <a:t>2018/2/3</a:t>
+              <a:t>2018/2/4</a:t>
             </a:fld>
             <a:endParaRPr kumimoji="1" lang="zh-CN" altLang="en-US"/>
           </a:p>
@@ -943,7 +946,7 @@
           <a:p>
             <a:fld id="{CB363CDB-3585-0043-97DF-0B1A74A3C264}" type="datetimeFigureOut">
               <a:rPr kumimoji="1" lang="zh-CN" altLang="en-US" smtClean="0"/>
-              <a:t>2018/2/3</a:t>
+              <a:t>2018/2/4</a:t>
             </a:fld>
             <a:endParaRPr kumimoji="1" lang="zh-CN" altLang="en-US"/>
           </a:p>
@@ -1113,7 +1116,7 @@
           <a:p>
             <a:fld id="{CB363CDB-3585-0043-97DF-0B1A74A3C264}" type="datetimeFigureOut">
               <a:rPr kumimoji="1" lang="zh-CN" altLang="en-US" smtClean="0"/>
-              <a:t>2018/2/3</a:t>
+              <a:t>2018/2/4</a:t>
             </a:fld>
             <a:endParaRPr kumimoji="1" lang="zh-CN" altLang="en-US"/>
           </a:p>
@@ -1359,7 +1362,7 @@
           <a:p>
             <a:fld id="{CB363CDB-3585-0043-97DF-0B1A74A3C264}" type="datetimeFigureOut">
               <a:rPr kumimoji="1" lang="zh-CN" altLang="en-US" smtClean="0"/>
-              <a:t>2018/2/3</a:t>
+              <a:t>2018/2/4</a:t>
             </a:fld>
             <a:endParaRPr kumimoji="1" lang="zh-CN" altLang="en-US"/>
           </a:p>
@@ -1591,7 +1594,7 @@
           <a:p>
             <a:fld id="{CB363CDB-3585-0043-97DF-0B1A74A3C264}" type="datetimeFigureOut">
               <a:rPr kumimoji="1" lang="zh-CN" altLang="en-US" smtClean="0"/>
-              <a:t>2018/2/3</a:t>
+              <a:t>2018/2/4</a:t>
             </a:fld>
             <a:endParaRPr kumimoji="1" lang="zh-CN" altLang="en-US"/>
           </a:p>
@@ -1958,7 +1961,7 @@
           <a:p>
             <a:fld id="{CB363CDB-3585-0043-97DF-0B1A74A3C264}" type="datetimeFigureOut">
               <a:rPr kumimoji="1" lang="zh-CN" altLang="en-US" smtClean="0"/>
-              <a:t>2018/2/3</a:t>
+              <a:t>2018/2/4</a:t>
             </a:fld>
             <a:endParaRPr kumimoji="1" lang="zh-CN" altLang="en-US"/>
           </a:p>
@@ -2076,7 +2079,7 @@
           <a:p>
             <a:fld id="{CB363CDB-3585-0043-97DF-0B1A74A3C264}" type="datetimeFigureOut">
               <a:rPr kumimoji="1" lang="zh-CN" altLang="en-US" smtClean="0"/>
-              <a:t>2018/2/3</a:t>
+              <a:t>2018/2/4</a:t>
             </a:fld>
             <a:endParaRPr kumimoji="1" lang="zh-CN" altLang="en-US"/>
           </a:p>
@@ -2171,7 +2174,7 @@
           <a:p>
             <a:fld id="{CB363CDB-3585-0043-97DF-0B1A74A3C264}" type="datetimeFigureOut">
               <a:rPr kumimoji="1" lang="zh-CN" altLang="en-US" smtClean="0"/>
-              <a:t>2018/2/3</a:t>
+              <a:t>2018/2/4</a:t>
             </a:fld>
             <a:endParaRPr kumimoji="1" lang="zh-CN" altLang="en-US"/>
           </a:p>
@@ -2448,7 +2451,7 @@
           <a:p>
             <a:fld id="{CB363CDB-3585-0043-97DF-0B1A74A3C264}" type="datetimeFigureOut">
               <a:rPr kumimoji="1" lang="zh-CN" altLang="en-US" smtClean="0"/>
-              <a:t>2018/2/3</a:t>
+              <a:t>2018/2/4</a:t>
             </a:fld>
             <a:endParaRPr kumimoji="1" lang="zh-CN" altLang="en-US"/>
           </a:p>
@@ -2701,7 +2704,7 @@
           <a:p>
             <a:fld id="{CB363CDB-3585-0043-97DF-0B1A74A3C264}" type="datetimeFigureOut">
               <a:rPr kumimoji="1" lang="zh-CN" altLang="en-US" smtClean="0"/>
-              <a:t>2018/2/3</a:t>
+              <a:t>2018/2/4</a:t>
             </a:fld>
             <a:endParaRPr kumimoji="1" lang="zh-CN" altLang="en-US"/>
           </a:p>
@@ -2914,7 +2917,7 @@
           <a:p>
             <a:fld id="{CB363CDB-3585-0043-97DF-0B1A74A3C264}" type="datetimeFigureOut">
               <a:rPr kumimoji="1" lang="zh-CN" altLang="en-US" smtClean="0"/>
-              <a:t>2018/2/3</a:t>
+              <a:t>2018/2/4</a:t>
             </a:fld>
             <a:endParaRPr kumimoji="1" lang="zh-CN" altLang="en-US"/>
           </a:p>
@@ -3321,89 +3324,14 @@
       </p:grpSpPr>
       <p:sp>
         <p:nvSpPr>
-          <p:cNvPr id="2" name="标题 1"/>
-          <p:cNvSpPr>
-            <a:spLocks noGrp="1"/>
-          </p:cNvSpPr>
-          <p:nvPr>
-            <p:ph type="ctrTitle"/>
-          </p:nvPr>
-        </p:nvSpPr>
-        <p:spPr/>
-        <p:txBody>
-          <a:bodyPr/>
-          <a:lstStyle/>
-          <a:p>
-            <a:endParaRPr kumimoji="1" lang="zh-CN" altLang="en-US"/>
-          </a:p>
-        </p:txBody>
-      </p:sp>
-      <p:sp>
-        <p:nvSpPr>
-          <p:cNvPr id="3" name="副标题 2"/>
-          <p:cNvSpPr>
-            <a:spLocks noGrp="1"/>
-          </p:cNvSpPr>
-          <p:nvPr>
-            <p:ph type="subTitle" idx="1"/>
-          </p:nvPr>
-        </p:nvSpPr>
-        <p:spPr/>
-        <p:txBody>
-          <a:bodyPr/>
-          <a:lstStyle/>
-          <a:p>
-            <a:endParaRPr kumimoji="1" lang="zh-CN" altLang="en-US"/>
-          </a:p>
-        </p:txBody>
-      </p:sp>
-    </p:spTree>
-    <p:extLst>
-      <p:ext uri="{BB962C8B-B14F-4D97-AF65-F5344CB8AC3E}">
-        <p14:creationId xmlns:p14="http://schemas.microsoft.com/office/powerpoint/2010/main" val="173569922"/>
-      </p:ext>
-    </p:extLst>
-  </p:cSld>
-  <p:clrMapOvr>
-    <a:masterClrMapping/>
-  </p:clrMapOvr>
-  <p:timing>
-    <p:tnLst>
-      <p:par>
-        <p:cTn id="1" dur="indefinite" restart="never" nodeType="tmRoot"/>
-      </p:par>
-    </p:tnLst>
-  </p:timing>
-</p:sld>
-</file>
-
-<file path=ppt/slides/slide2.xml><?xml version="1.0" encoding="utf-8"?>
-<p:sld xmlns:a="http://schemas.openxmlformats.org/drawingml/2006/main" xmlns:r="http://schemas.openxmlformats.org/officeDocument/2006/relationships" xmlns:p="http://schemas.openxmlformats.org/presentationml/2006/main">
-  <p:cSld>
-    <p:spTree>
-      <p:nvGrpSpPr>
-        <p:cNvPr id="1" name=""/>
-        <p:cNvGrpSpPr/>
-        <p:nvPr/>
-      </p:nvGrpSpPr>
-      <p:grpSpPr>
-        <a:xfrm>
-          <a:off x="0" y="0"/>
-          <a:ext cx="0" cy="0"/>
-          <a:chOff x="0" y="0"/>
-          <a:chExt cx="0" cy="0"/>
-        </a:xfrm>
-      </p:grpSpPr>
-      <p:sp>
-        <p:nvSpPr>
           <p:cNvPr id="80" name="矩形 79"/>
           <p:cNvSpPr/>
           <p:nvPr/>
         </p:nvSpPr>
         <p:spPr>
           <a:xfrm>
-            <a:off x="-2362200" y="-1676400"/>
-            <a:ext cx="17678400" cy="8763000"/>
+            <a:off x="-2362200" y="-1633870"/>
+            <a:ext cx="16418442" cy="8763000"/>
           </a:xfrm>
           <a:prstGeom prst="rect">
             <a:avLst/>
@@ -3450,12 +3378,17 @@
             <p:ph type="title"/>
           </p:nvPr>
         </p:nvSpPr>
-        <p:spPr/>
-        <p:txBody>
-          <a:bodyPr/>
-          <a:lstStyle/>
-          <a:p>
-            <a:endParaRPr kumimoji="1" lang="zh-CN" altLang="en-US"/>
+        <p:spPr>
+          <a:xfrm>
+            <a:off x="838200" y="407655"/>
+            <a:ext cx="10515600" cy="1325563"/>
+          </a:xfrm>
+        </p:spPr>
+        <p:txBody>
+          <a:bodyPr/>
+          <a:lstStyle/>
+          <a:p>
+            <a:endParaRPr kumimoji="1" lang="zh-CN" altLang="en-US" dirty="0"/>
           </a:p>
         </p:txBody>
       </p:sp>
@@ -3483,7 +3416,7 @@
         </p:blipFill>
         <p:spPr>
           <a:xfrm>
-            <a:off x="3486150" y="131234"/>
+            <a:off x="3486150" y="173764"/>
             <a:ext cx="5397500" cy="3975100"/>
           </a:xfrm>
         </p:spPr>
@@ -3510,7 +3443,7 @@
         </p:blipFill>
         <p:spPr>
           <a:xfrm>
-            <a:off x="692150" y="4582323"/>
+            <a:off x="692150" y="4624853"/>
             <a:ext cx="10985500" cy="1701800"/>
           </a:xfrm>
           <a:prstGeom prst="rect">
@@ -3526,7 +3459,7 @@
         </p:nvCxnSpPr>
         <p:spPr>
           <a:xfrm flipH="1">
-            <a:off x="3285068" y="3874185"/>
+            <a:off x="3285068" y="3916715"/>
             <a:ext cx="1593852" cy="935523"/>
           </a:xfrm>
           <a:prstGeom prst="straightConnector1">
@@ -3560,7 +3493,7 @@
         </p:nvCxnSpPr>
         <p:spPr>
           <a:xfrm>
-            <a:off x="6011335" y="3874185"/>
+            <a:off x="6011335" y="3916715"/>
             <a:ext cx="0" cy="901015"/>
           </a:xfrm>
           <a:prstGeom prst="straightConnector1">
@@ -3594,7 +3527,7 @@
         </p:nvCxnSpPr>
         <p:spPr>
           <a:xfrm>
-            <a:off x="7313081" y="3893821"/>
+            <a:off x="7313081" y="3936351"/>
             <a:ext cx="1392770" cy="881379"/>
           </a:xfrm>
           <a:prstGeom prst="straightConnector1">
@@ -3628,7 +3561,7 @@
         </p:nvSpPr>
         <p:spPr>
           <a:xfrm>
-            <a:off x="734481" y="4775200"/>
+            <a:off x="734481" y="4817730"/>
             <a:ext cx="1291173" cy="1530610"/>
           </a:xfrm>
           <a:prstGeom prst="rect">
@@ -3674,7 +3607,7 @@
         </p:nvSpPr>
         <p:spPr>
           <a:xfrm>
-            <a:off x="10391535" y="4582323"/>
+            <a:off x="10391535" y="4624853"/>
             <a:ext cx="1291173" cy="1530610"/>
           </a:xfrm>
           <a:prstGeom prst="rect">
@@ -3720,7 +3653,7 @@
         </p:nvSpPr>
         <p:spPr>
           <a:xfrm>
-            <a:off x="1295399" y="5282423"/>
+            <a:off x="1295399" y="5324953"/>
             <a:ext cx="772586" cy="369332"/>
           </a:xfrm>
           <a:prstGeom prst="rect">
@@ -3754,7 +3687,7 @@
         </p:nvSpPr>
         <p:spPr>
           <a:xfrm>
-            <a:off x="10434099" y="5282423"/>
+            <a:off x="10434099" y="5324953"/>
             <a:ext cx="902768" cy="369332"/>
           </a:xfrm>
           <a:prstGeom prst="rect">
@@ -3788,7 +3721,7 @@
         </p:nvSpPr>
         <p:spPr>
           <a:xfrm>
-            <a:off x="400050" y="-247650"/>
+            <a:off x="400050" y="-205120"/>
             <a:ext cx="11658600" cy="6705600"/>
           </a:xfrm>
           <a:prstGeom prst="rect">
@@ -3834,7 +3767,7 @@
         </p:nvSpPr>
         <p:spPr>
           <a:xfrm>
-            <a:off x="4450138" y="-1301542"/>
+            <a:off x="4450138" y="-1259012"/>
             <a:ext cx="5219701" cy="584775"/>
           </a:xfrm>
           <a:prstGeom prst="rect">
@@ -3872,8 +3805,8 @@
         </p:nvSpPr>
         <p:spPr>
           <a:xfrm>
-            <a:off x="-2147204" y="-1432106"/>
-            <a:ext cx="6597342" cy="830997"/>
+            <a:off x="-1275337" y="-1389576"/>
+            <a:ext cx="4215189" cy="830997"/>
           </a:xfrm>
           <a:prstGeom prst="rect">
             <a:avLst/>
@@ -3887,57 +3820,36 @@
           <a:lstStyle/>
           <a:p>
             <a:r>
+              <a:rPr kumimoji="1" lang="en-US" altLang="zh-CN" sz="2400" dirty="0" err="1"/>
+              <a:t>l</a:t>
+            </a:r>
+            <a:r>
+              <a:rPr kumimoji="1" lang="en-US" altLang="zh-CN" sz="2400" dirty="0" err="1" smtClean="0"/>
+              <a:t>earning_rate</a:t>
+            </a:r>
+            <a:r>
               <a:rPr kumimoji="1" lang="en-US" altLang="zh-CN" sz="2400" dirty="0" smtClean="0"/>
-              <a:t>Optimize</a:t>
+              <a:t>,</a:t>
+            </a:r>
+            <a:r>
+              <a:rPr kumimoji="1" lang="zh-CN" altLang="en-US" sz="2400" dirty="0"/>
+              <a:t> </a:t>
+            </a:r>
+            <a:r>
+              <a:rPr kumimoji="1" lang="en-US" altLang="zh-CN" sz="2400" dirty="0" err="1" smtClean="0"/>
+              <a:t>weight_decay</a:t>
+            </a:r>
+            <a:r>
+              <a:rPr kumimoji="1" lang="en-US" altLang="zh-CN" sz="2400" dirty="0" smtClean="0"/>
+              <a:t>,</a:t>
             </a:r>
             <a:r>
               <a:rPr kumimoji="1" lang="zh-CN" altLang="en-US" sz="2400" dirty="0" smtClean="0"/>
               <a:t> </a:t>
             </a:r>
-            <a:r>
-              <a:rPr kumimoji="1" lang="en-US" altLang="zh-CN" sz="2400" dirty="0" smtClean="0"/>
-              <a:t>over</a:t>
-            </a:r>
-            <a:r>
-              <a:rPr kumimoji="1" lang="zh-CN" altLang="en-US" sz="2400" dirty="0" smtClean="0"/>
-              <a:t> </a:t>
-            </a:r>
-            <a:r>
-              <a:rPr kumimoji="1" lang="en-US" altLang="zh-CN" sz="2400" dirty="0"/>
-              <a:t>p</a:t>
-            </a:r>
-            <a:r>
-              <a:rPr kumimoji="1" lang="en-US" altLang="zh-CN" sz="2400" dirty="0" smtClean="0"/>
-              <a:t>arameters:</a:t>
-            </a:r>
-            <a:r>
-              <a:rPr kumimoji="1" lang="zh-CN" altLang="en-US" sz="2400" dirty="0" smtClean="0"/>
-              <a:t> </a:t>
-            </a:r>
-            <a:r>
-              <a:rPr kumimoji="1" lang="en-US" altLang="zh-CN" sz="2400" dirty="0" err="1" smtClean="0"/>
-              <a:t>learning_rate</a:t>
-            </a:r>
-            <a:r>
-              <a:rPr kumimoji="1" lang="en-US" altLang="zh-CN" sz="2400" dirty="0" smtClean="0"/>
-              <a:t>,</a:t>
-            </a:r>
-            <a:r>
-              <a:rPr kumimoji="1" lang="zh-CN" altLang="en-US" sz="2400" dirty="0"/>
-              <a:t> </a:t>
-            </a:r>
-            <a:r>
-              <a:rPr kumimoji="1" lang="en-US" altLang="zh-CN" sz="2400" dirty="0" err="1" smtClean="0"/>
-              <a:t>weight_decay</a:t>
-            </a:r>
-            <a:r>
-              <a:rPr kumimoji="1" lang="en-US" altLang="zh-CN" sz="2400" dirty="0" smtClean="0"/>
-              <a:t>,</a:t>
-            </a:r>
-            <a:r>
-              <a:rPr kumimoji="1" lang="zh-CN" altLang="en-US" sz="2400" dirty="0" smtClean="0"/>
-              <a:t> </a:t>
-            </a:r>
+            <a:endParaRPr kumimoji="1" lang="en-US" altLang="zh-CN" sz="2400" dirty="0" smtClean="0"/>
+          </a:p>
+          <a:p>
             <a:r>
               <a:rPr kumimoji="1" lang="en-US" altLang="zh-CN" sz="2400" dirty="0" err="1" smtClean="0"/>
               <a:t>num_epochs</a:t>
@@ -3978,7 +3890,7 @@
         </p:nvCxnSpPr>
         <p:spPr>
           <a:xfrm>
-            <a:off x="-393700" y="-524909"/>
+            <a:off x="-53460" y="-482379"/>
             <a:ext cx="360000" cy="1332629"/>
           </a:xfrm>
           <a:prstGeom prst="straightConnector1">
@@ -4015,8 +3927,8 @@
         </p:nvSpPr>
         <p:spPr>
           <a:xfrm>
-            <a:off x="9858729" y="-1432106"/>
-            <a:ext cx="6597342" cy="461665"/>
+            <a:off x="11180125" y="-1150327"/>
+            <a:ext cx="2556041" cy="461665"/>
           </a:xfrm>
           <a:prstGeom prst="rect">
             <a:avLst/>
@@ -4031,7 +3943,7 @@
           <a:p>
             <a:r>
               <a:rPr kumimoji="1" lang="en-US" altLang="zh-CN" sz="2400" dirty="0" smtClean="0"/>
-              <a:t>Improve</a:t>
+              <a:t>test</a:t>
             </a:r>
             <a:r>
               <a:rPr kumimoji="1" lang="zh-CN" altLang="en-US" sz="2400" dirty="0" smtClean="0"/>
@@ -4039,37 +3951,8 @@
             </a:r>
             <a:r>
               <a:rPr kumimoji="1" lang="en-US" altLang="zh-CN" sz="2400" dirty="0" smtClean="0"/>
-              <a:t>objective</a:t>
-            </a:r>
-            <a:r>
-              <a:rPr kumimoji="1" lang="zh-CN" altLang="en-US" sz="2400" dirty="0" smtClean="0"/>
-              <a:t> </a:t>
-            </a:r>
-            <a:r>
-              <a:rPr kumimoji="1" lang="en-US" altLang="zh-CN" sz="2400" dirty="0" smtClean="0"/>
-              <a:t>value:</a:t>
-            </a:r>
-            <a:r>
-              <a:rPr kumimoji="1" lang="zh-CN" altLang="en-US" sz="2400" dirty="0" smtClean="0"/>
-              <a:t> </a:t>
-            </a:r>
-            <a:r>
-              <a:rPr kumimoji="1" lang="en-US" altLang="zh-CN" sz="2400" dirty="0" smtClean="0"/>
-              <a:t>test</a:t>
-            </a:r>
-            <a:r>
-              <a:rPr kumimoji="1" lang="zh-CN" altLang="en-US" sz="2400" dirty="0" smtClean="0"/>
-              <a:t> </a:t>
-            </a:r>
-            <a:r>
-              <a:rPr kumimoji="1" lang="en-US" altLang="zh-CN" sz="2400" dirty="0" smtClean="0"/>
               <a:t>accuracy</a:t>
             </a:r>
-            <a:r>
-              <a:rPr kumimoji="1" lang="zh-CN" altLang="en-US" sz="2400" dirty="0" smtClean="0"/>
-              <a:t>  </a:t>
-            </a:r>
-            <a:endParaRPr kumimoji="1" lang="zh-CN" altLang="en-US" sz="1600" dirty="0"/>
           </a:p>
         </p:txBody>
       </p:sp>
@@ -4081,8 +3964,82 @@
         </p:nvCxnSpPr>
         <p:spPr>
           <a:xfrm flipH="1">
-            <a:off x="12628925" y="-520046"/>
+            <a:off x="12139830" y="-477516"/>
             <a:ext cx="360000" cy="1332000"/>
+          </a:xfrm>
+          <a:prstGeom prst="straightConnector1">
+            <a:avLst/>
+          </a:prstGeom>
+          <a:ln w="34925">
+            <a:solidFill>
+              <a:schemeClr val="tx1"/>
+            </a:solidFill>
+            <a:headEnd type="triangle" w="lg" len="lg"/>
+            <a:tailEnd type="none"/>
+          </a:ln>
+        </p:spPr>
+        <p:style>
+          <a:lnRef idx="1">
+            <a:schemeClr val="accent1"/>
+          </a:lnRef>
+          <a:fillRef idx="0">
+            <a:schemeClr val="accent1"/>
+          </a:fillRef>
+          <a:effectRef idx="0">
+            <a:schemeClr val="accent1"/>
+          </a:effectRef>
+          <a:fontRef idx="minor">
+            <a:schemeClr val="tx1"/>
+          </a:fontRef>
+        </p:style>
+      </p:cxnSp>
+      <p:cxnSp>
+        <p:nvCxnSpPr>
+          <p:cNvPr id="19" name="直线箭头连接符 18"/>
+          <p:cNvCxnSpPr/>
+          <p:nvPr/>
+        </p:nvCxnSpPr>
+        <p:spPr>
+          <a:xfrm flipV="1">
+            <a:off x="8910925" y="-919495"/>
+            <a:ext cx="1440000" cy="0"/>
+          </a:xfrm>
+          <a:prstGeom prst="straightConnector1">
+            <a:avLst/>
+          </a:prstGeom>
+          <a:ln w="34925">
+            <a:solidFill>
+              <a:schemeClr val="tx1"/>
+            </a:solidFill>
+            <a:headEnd type="triangle" w="lg" len="lg"/>
+            <a:tailEnd type="none"/>
+          </a:ln>
+        </p:spPr>
+        <p:style>
+          <a:lnRef idx="1">
+            <a:schemeClr val="accent1"/>
+          </a:lnRef>
+          <a:fillRef idx="0">
+            <a:schemeClr val="accent1"/>
+          </a:fillRef>
+          <a:effectRef idx="0">
+            <a:schemeClr val="accent1"/>
+          </a:effectRef>
+          <a:fontRef idx="minor">
+            <a:schemeClr val="tx1"/>
+          </a:fontRef>
+        </p:style>
+      </p:cxnSp>
+      <p:cxnSp>
+        <p:nvCxnSpPr>
+          <p:cNvPr id="22" name="直线箭头连接符 21"/>
+          <p:cNvCxnSpPr/>
+          <p:nvPr/>
+        </p:nvCxnSpPr>
+        <p:spPr>
+          <a:xfrm flipV="1">
+            <a:off x="2798990" y="-966625"/>
+            <a:ext cx="1440000" cy="0"/>
           </a:xfrm>
           <a:prstGeom prst="straightConnector1">
             <a:avLst/>
@@ -4114,81 +4071,6 @@
     <p:extLst>
       <p:ext uri="{BB962C8B-B14F-4D97-AF65-F5344CB8AC3E}">
         <p14:creationId xmlns:p14="http://schemas.microsoft.com/office/powerpoint/2010/main" val="906886428"/>
-      </p:ext>
-    </p:extLst>
-  </p:cSld>
-  <p:clrMapOvr>
-    <a:masterClrMapping/>
-  </p:clrMapOvr>
-  <p:timing>
-    <p:tnLst>
-      <p:par>
-        <p:cTn id="1" dur="indefinite" restart="never" nodeType="tmRoot"/>
-      </p:par>
-    </p:tnLst>
-  </p:timing>
-</p:sld>
-</file>
-
-<file path=ppt/slides/slide3.xml><?xml version="1.0" encoding="utf-8"?>
-<p:sld xmlns:a="http://schemas.openxmlformats.org/drawingml/2006/main" xmlns:r="http://schemas.openxmlformats.org/officeDocument/2006/relationships" xmlns:p="http://schemas.openxmlformats.org/presentationml/2006/main">
-  <p:cSld>
-    <p:spTree>
-      <p:nvGrpSpPr>
-        <p:cNvPr id="1" name=""/>
-        <p:cNvGrpSpPr/>
-        <p:nvPr/>
-      </p:nvGrpSpPr>
-      <p:grpSpPr>
-        <a:xfrm>
-          <a:off x="0" y="0"/>
-          <a:ext cx="0" cy="0"/>
-          <a:chOff x="0" y="0"/>
-          <a:chExt cx="0" cy="0"/>
-        </a:xfrm>
-      </p:grpSpPr>
-      <p:sp>
-        <p:nvSpPr>
-          <p:cNvPr id="2" name="标题 1"/>
-          <p:cNvSpPr>
-            <a:spLocks noGrp="1"/>
-          </p:cNvSpPr>
-          <p:nvPr>
-            <p:ph type="title"/>
-          </p:nvPr>
-        </p:nvSpPr>
-        <p:spPr/>
-        <p:txBody>
-          <a:bodyPr/>
-          <a:lstStyle/>
-          <a:p>
-            <a:endParaRPr kumimoji="1" lang="zh-CN" altLang="en-US"/>
-          </a:p>
-        </p:txBody>
-      </p:sp>
-      <p:sp>
-        <p:nvSpPr>
-          <p:cNvPr id="3" name="内容占位符 2"/>
-          <p:cNvSpPr>
-            <a:spLocks noGrp="1"/>
-          </p:cNvSpPr>
-          <p:nvPr>
-            <p:ph idx="1"/>
-          </p:nvPr>
-        </p:nvSpPr>
-        <p:spPr/>
-        <p:txBody>
-          <a:bodyPr/>
-          <a:lstStyle/>
-          <a:p>
-            <a:endParaRPr kumimoji="1" lang="zh-CN" altLang="en-US"/>
-          </a:p>
-        </p:txBody>
-      </p:sp>
-    </p:spTree>
-    <p:extLst>
-      <p:ext uri="{BB962C8B-B14F-4D97-AF65-F5344CB8AC3E}">
-        <p14:creationId xmlns:p14="http://schemas.microsoft.com/office/powerpoint/2010/main" val="1094826556"/>
       </p:ext>
     </p:extLst>
   </p:cSld>

--- a/doc/poster/assets/densenet.pptx
+++ b/doc/poster/assets/densenet.pptx
@@ -5,10 +5,11 @@
     <p:sldMasterId id="2147483648" r:id="rId1"/>
   </p:sldMasterIdLst>
   <p:notesMasterIdLst>
-    <p:notesMasterId r:id="rId3"/>
+    <p:notesMasterId r:id="rId4"/>
   </p:notesMasterIdLst>
   <p:sldIdLst>
     <p:sldId id="257" r:id="rId2"/>
+    <p:sldId id="258" r:id="rId3"/>
   </p:sldIdLst>
   <p:sldSz cx="12192000" cy="6858000"/>
   <p:notesSz cx="6858000" cy="9144000"/>
@@ -197,7 +198,7 @@
           <a:p>
             <a:fld id="{B379A219-34CA-B246-9E50-5DF015790CEC}" type="datetimeFigureOut">
               <a:rPr kumimoji="1" lang="zh-CN" altLang="en-US" smtClean="0"/>
-              <a:t>2018/2/4</a:t>
+              <a:t>2018/2/5</a:t>
             </a:fld>
             <a:endParaRPr kumimoji="1" lang="zh-CN" altLang="en-US"/>
           </a:p>
@@ -356,7 +357,7 @@
           <a:p>
             <a:fld id="{9D2FBD79-D891-6343-956E-264B9A763D76}" type="slidenum">
               <a:rPr kumimoji="1" lang="zh-CN" altLang="en-US" smtClean="0"/>
-              <a:t>‹#›</a:t>
+              <a:t>‹Nr.›</a:t>
             </a:fld>
             <a:endParaRPr kumimoji="1" lang="zh-CN" altLang="en-US"/>
           </a:p>
@@ -596,7 +597,7 @@
           <a:p>
             <a:fld id="{CB363CDB-3585-0043-97DF-0B1A74A3C264}" type="datetimeFigureOut">
               <a:rPr kumimoji="1" lang="zh-CN" altLang="en-US" smtClean="0"/>
-              <a:t>2018/2/4</a:t>
+              <a:t>2018/2/5</a:t>
             </a:fld>
             <a:endParaRPr kumimoji="1" lang="zh-CN" altLang="en-US"/>
           </a:p>
@@ -638,7 +639,7 @@
           <a:p>
             <a:fld id="{730FB26A-D5C2-ED47-8A55-0CEAA7925605}" type="slidenum">
               <a:rPr kumimoji="1" lang="zh-CN" altLang="en-US" smtClean="0"/>
-              <a:t>‹#›</a:t>
+              <a:t>‹Nr.›</a:t>
             </a:fld>
             <a:endParaRPr kumimoji="1" lang="zh-CN" altLang="en-US"/>
           </a:p>
@@ -766,7 +767,7 @@
           <a:p>
             <a:fld id="{CB363CDB-3585-0043-97DF-0B1A74A3C264}" type="datetimeFigureOut">
               <a:rPr kumimoji="1" lang="zh-CN" altLang="en-US" smtClean="0"/>
-              <a:t>2018/2/4</a:t>
+              <a:t>2018/2/5</a:t>
             </a:fld>
             <a:endParaRPr kumimoji="1" lang="zh-CN" altLang="en-US"/>
           </a:p>
@@ -808,7 +809,7 @@
           <a:p>
             <a:fld id="{730FB26A-D5C2-ED47-8A55-0CEAA7925605}" type="slidenum">
               <a:rPr kumimoji="1" lang="zh-CN" altLang="en-US" smtClean="0"/>
-              <a:t>‹#›</a:t>
+              <a:t>‹Nr.›</a:t>
             </a:fld>
             <a:endParaRPr kumimoji="1" lang="zh-CN" altLang="en-US"/>
           </a:p>
@@ -946,7 +947,7 @@
           <a:p>
             <a:fld id="{CB363CDB-3585-0043-97DF-0B1A74A3C264}" type="datetimeFigureOut">
               <a:rPr kumimoji="1" lang="zh-CN" altLang="en-US" smtClean="0"/>
-              <a:t>2018/2/4</a:t>
+              <a:t>2018/2/5</a:t>
             </a:fld>
             <a:endParaRPr kumimoji="1" lang="zh-CN" altLang="en-US"/>
           </a:p>
@@ -988,7 +989,7 @@
           <a:p>
             <a:fld id="{730FB26A-D5C2-ED47-8A55-0CEAA7925605}" type="slidenum">
               <a:rPr kumimoji="1" lang="zh-CN" altLang="en-US" smtClean="0"/>
-              <a:t>‹#›</a:t>
+              <a:t>‹Nr.›</a:t>
             </a:fld>
             <a:endParaRPr kumimoji="1" lang="zh-CN" altLang="en-US"/>
           </a:p>
@@ -1116,7 +1117,7 @@
           <a:p>
             <a:fld id="{CB363CDB-3585-0043-97DF-0B1A74A3C264}" type="datetimeFigureOut">
               <a:rPr kumimoji="1" lang="zh-CN" altLang="en-US" smtClean="0"/>
-              <a:t>2018/2/4</a:t>
+              <a:t>2018/2/5</a:t>
             </a:fld>
             <a:endParaRPr kumimoji="1" lang="zh-CN" altLang="en-US"/>
           </a:p>
@@ -1158,7 +1159,7 @@
           <a:p>
             <a:fld id="{730FB26A-D5C2-ED47-8A55-0CEAA7925605}" type="slidenum">
               <a:rPr kumimoji="1" lang="zh-CN" altLang="en-US" smtClean="0"/>
-              <a:t>‹#›</a:t>
+              <a:t>‹Nr.›</a:t>
             </a:fld>
             <a:endParaRPr kumimoji="1" lang="zh-CN" altLang="en-US"/>
           </a:p>
@@ -1362,7 +1363,7 @@
           <a:p>
             <a:fld id="{CB363CDB-3585-0043-97DF-0B1A74A3C264}" type="datetimeFigureOut">
               <a:rPr kumimoji="1" lang="zh-CN" altLang="en-US" smtClean="0"/>
-              <a:t>2018/2/4</a:t>
+              <a:t>2018/2/5</a:t>
             </a:fld>
             <a:endParaRPr kumimoji="1" lang="zh-CN" altLang="en-US"/>
           </a:p>
@@ -1404,7 +1405,7 @@
           <a:p>
             <a:fld id="{730FB26A-D5C2-ED47-8A55-0CEAA7925605}" type="slidenum">
               <a:rPr kumimoji="1" lang="zh-CN" altLang="en-US" smtClean="0"/>
-              <a:t>‹#›</a:t>
+              <a:t>‹Nr.›</a:t>
             </a:fld>
             <a:endParaRPr kumimoji="1" lang="zh-CN" altLang="en-US"/>
           </a:p>
@@ -1594,7 +1595,7 @@
           <a:p>
             <a:fld id="{CB363CDB-3585-0043-97DF-0B1A74A3C264}" type="datetimeFigureOut">
               <a:rPr kumimoji="1" lang="zh-CN" altLang="en-US" smtClean="0"/>
-              <a:t>2018/2/4</a:t>
+              <a:t>2018/2/5</a:t>
             </a:fld>
             <a:endParaRPr kumimoji="1" lang="zh-CN" altLang="en-US"/>
           </a:p>
@@ -1636,7 +1637,7 @@
           <a:p>
             <a:fld id="{730FB26A-D5C2-ED47-8A55-0CEAA7925605}" type="slidenum">
               <a:rPr kumimoji="1" lang="zh-CN" altLang="en-US" smtClean="0"/>
-              <a:t>‹#›</a:t>
+              <a:t>‹Nr.›</a:t>
             </a:fld>
             <a:endParaRPr kumimoji="1" lang="zh-CN" altLang="en-US"/>
           </a:p>
@@ -1961,7 +1962,7 @@
           <a:p>
             <a:fld id="{CB363CDB-3585-0043-97DF-0B1A74A3C264}" type="datetimeFigureOut">
               <a:rPr kumimoji="1" lang="zh-CN" altLang="en-US" smtClean="0"/>
-              <a:t>2018/2/4</a:t>
+              <a:t>2018/2/5</a:t>
             </a:fld>
             <a:endParaRPr kumimoji="1" lang="zh-CN" altLang="en-US"/>
           </a:p>
@@ -2003,7 +2004,7 @@
           <a:p>
             <a:fld id="{730FB26A-D5C2-ED47-8A55-0CEAA7925605}" type="slidenum">
               <a:rPr kumimoji="1" lang="zh-CN" altLang="en-US" smtClean="0"/>
-              <a:t>‹#›</a:t>
+              <a:t>‹Nr.›</a:t>
             </a:fld>
             <a:endParaRPr kumimoji="1" lang="zh-CN" altLang="en-US"/>
           </a:p>
@@ -2079,7 +2080,7 @@
           <a:p>
             <a:fld id="{CB363CDB-3585-0043-97DF-0B1A74A3C264}" type="datetimeFigureOut">
               <a:rPr kumimoji="1" lang="zh-CN" altLang="en-US" smtClean="0"/>
-              <a:t>2018/2/4</a:t>
+              <a:t>2018/2/5</a:t>
             </a:fld>
             <a:endParaRPr kumimoji="1" lang="zh-CN" altLang="en-US"/>
           </a:p>
@@ -2121,7 +2122,7 @@
           <a:p>
             <a:fld id="{730FB26A-D5C2-ED47-8A55-0CEAA7925605}" type="slidenum">
               <a:rPr kumimoji="1" lang="zh-CN" altLang="en-US" smtClean="0"/>
-              <a:t>‹#›</a:t>
+              <a:t>‹Nr.›</a:t>
             </a:fld>
             <a:endParaRPr kumimoji="1" lang="zh-CN" altLang="en-US"/>
           </a:p>
@@ -2174,7 +2175,7 @@
           <a:p>
             <a:fld id="{CB363CDB-3585-0043-97DF-0B1A74A3C264}" type="datetimeFigureOut">
               <a:rPr kumimoji="1" lang="zh-CN" altLang="en-US" smtClean="0"/>
-              <a:t>2018/2/4</a:t>
+              <a:t>2018/2/5</a:t>
             </a:fld>
             <a:endParaRPr kumimoji="1" lang="zh-CN" altLang="en-US"/>
           </a:p>
@@ -2216,7 +2217,7 @@
           <a:p>
             <a:fld id="{730FB26A-D5C2-ED47-8A55-0CEAA7925605}" type="slidenum">
               <a:rPr kumimoji="1" lang="zh-CN" altLang="en-US" smtClean="0"/>
-              <a:t>‹#›</a:t>
+              <a:t>‹Nr.›</a:t>
             </a:fld>
             <a:endParaRPr kumimoji="1" lang="zh-CN" altLang="en-US"/>
           </a:p>
@@ -2451,7 +2452,7 @@
           <a:p>
             <a:fld id="{CB363CDB-3585-0043-97DF-0B1A74A3C264}" type="datetimeFigureOut">
               <a:rPr kumimoji="1" lang="zh-CN" altLang="en-US" smtClean="0"/>
-              <a:t>2018/2/4</a:t>
+              <a:t>2018/2/5</a:t>
             </a:fld>
             <a:endParaRPr kumimoji="1" lang="zh-CN" altLang="en-US"/>
           </a:p>
@@ -2493,7 +2494,7 @@
           <a:p>
             <a:fld id="{730FB26A-D5C2-ED47-8A55-0CEAA7925605}" type="slidenum">
               <a:rPr kumimoji="1" lang="zh-CN" altLang="en-US" smtClean="0"/>
-              <a:t>‹#›</a:t>
+              <a:t>‹Nr.›</a:t>
             </a:fld>
             <a:endParaRPr kumimoji="1" lang="zh-CN" altLang="en-US"/>
           </a:p>
@@ -2704,7 +2705,7 @@
           <a:p>
             <a:fld id="{CB363CDB-3585-0043-97DF-0B1A74A3C264}" type="datetimeFigureOut">
               <a:rPr kumimoji="1" lang="zh-CN" altLang="en-US" smtClean="0"/>
-              <a:t>2018/2/4</a:t>
+              <a:t>2018/2/5</a:t>
             </a:fld>
             <a:endParaRPr kumimoji="1" lang="zh-CN" altLang="en-US"/>
           </a:p>
@@ -2746,7 +2747,7 @@
           <a:p>
             <a:fld id="{730FB26A-D5C2-ED47-8A55-0CEAA7925605}" type="slidenum">
               <a:rPr kumimoji="1" lang="zh-CN" altLang="en-US" smtClean="0"/>
-              <a:t>‹#›</a:t>
+              <a:t>‹Nr.›</a:t>
             </a:fld>
             <a:endParaRPr kumimoji="1" lang="zh-CN" altLang="en-US"/>
           </a:p>
@@ -2917,7 +2918,7 @@
           <a:p>
             <a:fld id="{CB363CDB-3585-0043-97DF-0B1A74A3C264}" type="datetimeFigureOut">
               <a:rPr kumimoji="1" lang="zh-CN" altLang="en-US" smtClean="0"/>
-              <a:t>2018/2/4</a:t>
+              <a:t>2018/2/5</a:t>
             </a:fld>
             <a:endParaRPr kumimoji="1" lang="zh-CN" altLang="en-US"/>
           </a:p>
@@ -2995,7 +2996,7 @@
           <a:p>
             <a:fld id="{730FB26A-D5C2-ED47-8A55-0CEAA7925605}" type="slidenum">
               <a:rPr kumimoji="1" lang="zh-CN" altLang="en-US" smtClean="0"/>
-              <a:t>‹#›</a:t>
+              <a:t>‹Nr.›</a:t>
             </a:fld>
             <a:endParaRPr kumimoji="1" lang="zh-CN" altLang="en-US"/>
           </a:p>
@@ -3322,76 +3323,6 @@
           <a:chExt cx="0" cy="0"/>
         </a:xfrm>
       </p:grpSpPr>
-      <p:sp>
-        <p:nvSpPr>
-          <p:cNvPr id="80" name="矩形 79"/>
-          <p:cNvSpPr/>
-          <p:nvPr/>
-        </p:nvSpPr>
-        <p:spPr>
-          <a:xfrm>
-            <a:off x="-2362200" y="-1633870"/>
-            <a:ext cx="16418442" cy="8763000"/>
-          </a:xfrm>
-          <a:prstGeom prst="rect">
-            <a:avLst/>
-          </a:prstGeom>
-          <a:solidFill>
-            <a:schemeClr val="bg1"/>
-          </a:solidFill>
-          <a:ln>
-            <a:noFill/>
-          </a:ln>
-        </p:spPr>
-        <p:style>
-          <a:lnRef idx="2">
-            <a:schemeClr val="accent1">
-              <a:shade val="50000"/>
-            </a:schemeClr>
-          </a:lnRef>
-          <a:fillRef idx="1">
-            <a:schemeClr val="accent1"/>
-          </a:fillRef>
-          <a:effectRef idx="0">
-            <a:schemeClr val="accent1"/>
-          </a:effectRef>
-          <a:fontRef idx="minor">
-            <a:schemeClr val="lt1"/>
-          </a:fontRef>
-        </p:style>
-        <p:txBody>
-          <a:bodyPr rtlCol="0" anchor="ctr"/>
-          <a:lstStyle/>
-          <a:p>
-            <a:pPr algn="ctr"/>
-            <a:endParaRPr kumimoji="1" lang="zh-CN" altLang="en-US"/>
-          </a:p>
-        </p:txBody>
-      </p:sp>
-      <p:sp>
-        <p:nvSpPr>
-          <p:cNvPr id="2" name="标题 1"/>
-          <p:cNvSpPr>
-            <a:spLocks noGrp="1"/>
-          </p:cNvSpPr>
-          <p:nvPr>
-            <p:ph type="title"/>
-          </p:nvPr>
-        </p:nvSpPr>
-        <p:spPr>
-          <a:xfrm>
-            <a:off x="838200" y="407655"/>
-            <a:ext cx="10515600" cy="1325563"/>
-          </a:xfrm>
-        </p:spPr>
-        <p:txBody>
-          <a:bodyPr/>
-          <a:lstStyle/>
-          <a:p>
-            <a:endParaRPr kumimoji="1" lang="zh-CN" altLang="en-US" dirty="0"/>
-          </a:p>
-        </p:txBody>
-      </p:sp>
       <p:pic>
         <p:nvPicPr>
           <p:cNvPr id="4" name="内容占位符 3"/>
@@ -3416,245 +3347,21 @@
         </p:blipFill>
         <p:spPr>
           <a:xfrm>
-            <a:off x="3486150" y="173764"/>
-            <a:ext cx="5397500" cy="3975100"/>
+            <a:off x="3307606" y="1483395"/>
+            <a:ext cx="5642467" cy="3457827"/>
           </a:xfrm>
         </p:spPr>
       </p:pic>
-      <p:pic>
-        <p:nvPicPr>
-          <p:cNvPr id="5" name="图片 4"/>
-          <p:cNvPicPr>
-            <a:picLocks noChangeAspect="1"/>
-          </p:cNvPicPr>
+      <p:sp>
+        <p:nvSpPr>
+          <p:cNvPr id="50" name="文本框 49"/>
+          <p:cNvSpPr txBox="1"/>
           <p:nvPr/>
-        </p:nvPicPr>
-        <p:blipFill>
-          <a:blip r:embed="rId3">
-            <a:extLst>
-              <a:ext uri="{28A0092B-C50C-407E-A947-70E740481C1C}">
-                <a14:useLocalDpi xmlns:a14="http://schemas.microsoft.com/office/drawing/2010/main" val="0"/>
-              </a:ext>
-            </a:extLst>
-          </a:blip>
-          <a:stretch>
-            <a:fillRect/>
-          </a:stretch>
-        </p:blipFill>
+        </p:nvSpPr>
         <p:spPr>
           <a:xfrm>
-            <a:off x="692150" y="4624853"/>
-            <a:ext cx="10985500" cy="1701800"/>
-          </a:xfrm>
-          <a:prstGeom prst="rect">
-            <a:avLst/>
-          </a:prstGeom>
-        </p:spPr>
-      </p:pic>
-      <p:cxnSp>
-        <p:nvCxnSpPr>
-          <p:cNvPr id="7" name="直线箭头连接符 6"/>
-          <p:cNvCxnSpPr/>
-          <p:nvPr/>
-        </p:nvCxnSpPr>
-        <p:spPr>
-          <a:xfrm flipH="1">
-            <a:off x="3285068" y="3916715"/>
-            <a:ext cx="1593852" cy="935523"/>
-          </a:xfrm>
-          <a:prstGeom prst="straightConnector1">
-            <a:avLst/>
-          </a:prstGeom>
-          <a:ln w="25400">
-            <a:prstDash val="sysDash"/>
-            <a:tailEnd type="triangle"/>
-          </a:ln>
-        </p:spPr>
-        <p:style>
-          <a:lnRef idx="1">
-            <a:schemeClr val="accent1"/>
-          </a:lnRef>
-          <a:fillRef idx="0">
-            <a:schemeClr val="accent1"/>
-          </a:fillRef>
-          <a:effectRef idx="0">
-            <a:schemeClr val="accent1"/>
-          </a:effectRef>
-          <a:fontRef idx="minor">
-            <a:schemeClr val="tx1"/>
-          </a:fontRef>
-        </p:style>
-      </p:cxnSp>
-      <p:cxnSp>
-        <p:nvCxnSpPr>
-          <p:cNvPr id="10" name="直线箭头连接符 9"/>
-          <p:cNvCxnSpPr/>
-          <p:nvPr/>
-        </p:nvCxnSpPr>
-        <p:spPr>
-          <a:xfrm>
-            <a:off x="6011335" y="3916715"/>
-            <a:ext cx="0" cy="901015"/>
-          </a:xfrm>
-          <a:prstGeom prst="straightConnector1">
-            <a:avLst/>
-          </a:prstGeom>
-          <a:ln w="25400">
-            <a:prstDash val="sysDash"/>
-            <a:tailEnd type="triangle"/>
-          </a:ln>
-        </p:spPr>
-        <p:style>
-          <a:lnRef idx="1">
-            <a:schemeClr val="accent1"/>
-          </a:lnRef>
-          <a:fillRef idx="0">
-            <a:schemeClr val="accent1"/>
-          </a:fillRef>
-          <a:effectRef idx="0">
-            <a:schemeClr val="accent1"/>
-          </a:effectRef>
-          <a:fontRef idx="minor">
-            <a:schemeClr val="tx1"/>
-          </a:fontRef>
-        </p:style>
-      </p:cxnSp>
-      <p:cxnSp>
-        <p:nvCxnSpPr>
-          <p:cNvPr id="12" name="直线箭头连接符 11"/>
-          <p:cNvCxnSpPr/>
-          <p:nvPr/>
-        </p:nvCxnSpPr>
-        <p:spPr>
-          <a:xfrm>
-            <a:off x="7313081" y="3936351"/>
-            <a:ext cx="1392770" cy="881379"/>
-          </a:xfrm>
-          <a:prstGeom prst="straightConnector1">
-            <a:avLst/>
-          </a:prstGeom>
-          <a:ln w="25400">
-            <a:prstDash val="sysDash"/>
-            <a:tailEnd type="triangle"/>
-          </a:ln>
-        </p:spPr>
-        <p:style>
-          <a:lnRef idx="1">
-            <a:schemeClr val="accent1"/>
-          </a:lnRef>
-          <a:fillRef idx="0">
-            <a:schemeClr val="accent1"/>
-          </a:fillRef>
-          <a:effectRef idx="0">
-            <a:schemeClr val="accent1"/>
-          </a:effectRef>
-          <a:fontRef idx="minor">
-            <a:schemeClr val="tx1"/>
-          </a:fontRef>
-        </p:style>
-      </p:cxnSp>
-      <p:sp>
-        <p:nvSpPr>
-          <p:cNvPr id="44" name="矩形 43"/>
-          <p:cNvSpPr/>
-          <p:nvPr/>
-        </p:nvSpPr>
-        <p:spPr>
-          <a:xfrm>
-            <a:off x="734481" y="4817730"/>
-            <a:ext cx="1291173" cy="1530610"/>
-          </a:xfrm>
-          <a:prstGeom prst="rect">
-            <a:avLst/>
-          </a:prstGeom>
-          <a:solidFill>
-            <a:schemeClr val="bg1"/>
-          </a:solidFill>
-          <a:ln>
-            <a:noFill/>
-          </a:ln>
-        </p:spPr>
-        <p:style>
-          <a:lnRef idx="2">
-            <a:schemeClr val="accent1">
-              <a:shade val="50000"/>
-            </a:schemeClr>
-          </a:lnRef>
-          <a:fillRef idx="1">
-            <a:schemeClr val="accent1"/>
-          </a:fillRef>
-          <a:effectRef idx="0">
-            <a:schemeClr val="accent1"/>
-          </a:effectRef>
-          <a:fontRef idx="minor">
-            <a:schemeClr val="lt1"/>
-          </a:fontRef>
-        </p:style>
-        <p:txBody>
-          <a:bodyPr rtlCol="0" anchor="ctr"/>
-          <a:lstStyle/>
-          <a:p>
-            <a:pPr algn="ctr"/>
-            <a:endParaRPr kumimoji="1" lang="zh-CN" altLang="en-US"/>
-          </a:p>
-        </p:txBody>
-      </p:sp>
-      <p:sp>
-        <p:nvSpPr>
-          <p:cNvPr id="45" name="矩形 44"/>
-          <p:cNvSpPr/>
-          <p:nvPr/>
-        </p:nvSpPr>
-        <p:spPr>
-          <a:xfrm>
-            <a:off x="10391535" y="4624853"/>
-            <a:ext cx="1291173" cy="1530610"/>
-          </a:xfrm>
-          <a:prstGeom prst="rect">
-            <a:avLst/>
-          </a:prstGeom>
-          <a:solidFill>
-            <a:schemeClr val="bg1"/>
-          </a:solidFill>
-          <a:ln>
-            <a:noFill/>
-          </a:ln>
-        </p:spPr>
-        <p:style>
-          <a:lnRef idx="2">
-            <a:schemeClr val="accent1">
-              <a:shade val="50000"/>
-            </a:schemeClr>
-          </a:lnRef>
-          <a:fillRef idx="1">
-            <a:schemeClr val="accent1"/>
-          </a:fillRef>
-          <a:effectRef idx="0">
-            <a:schemeClr val="accent1"/>
-          </a:effectRef>
-          <a:fontRef idx="minor">
-            <a:schemeClr val="lt1"/>
-          </a:fontRef>
-        </p:style>
-        <p:txBody>
-          <a:bodyPr rtlCol="0" anchor="ctr"/>
-          <a:lstStyle/>
-          <a:p>
-            <a:pPr algn="ctr"/>
-            <a:endParaRPr kumimoji="1" lang="zh-CN" altLang="en-US"/>
-          </a:p>
-        </p:txBody>
-      </p:sp>
-      <p:sp>
-        <p:nvSpPr>
-          <p:cNvPr id="46" name="文本框 45"/>
-          <p:cNvSpPr txBox="1"/>
-          <p:nvPr/>
-        </p:nvSpPr>
-        <p:spPr>
-          <a:xfrm>
-            <a:off x="1295399" y="5324953"/>
-            <a:ext cx="772586" cy="369332"/>
+            <a:off x="4202975" y="518546"/>
+            <a:ext cx="3640347" cy="461665"/>
           </a:xfrm>
           <a:prstGeom prst="rect">
             <a:avLst/>
@@ -3668,27 +3375,47 @@
           <a:lstStyle/>
           <a:p>
             <a:r>
-              <a:rPr kumimoji="1" lang="en-US" altLang="zh-CN" dirty="0"/>
-              <a:t>I</a:t>
-            </a:r>
-            <a:r>
-              <a:rPr kumimoji="1" lang="en-US" altLang="zh-CN" dirty="0" smtClean="0"/>
-              <a:t>nput</a:t>
-            </a:r>
-            <a:endParaRPr kumimoji="1" lang="zh-CN" altLang="en-US" dirty="0"/>
-          </a:p>
-        </p:txBody>
-      </p:sp>
-      <p:sp>
-        <p:nvSpPr>
-          <p:cNvPr id="48" name="文本框 47"/>
+              <a:rPr kumimoji="1" lang="en-US" altLang="zh-CN" sz="2400" b="1" dirty="0">
+                <a:latin typeface="Arial" charset="0"/>
+                <a:ea typeface="Arial" charset="0"/>
+                <a:cs typeface="Arial" charset="0"/>
+              </a:rPr>
+              <a:t>Bayesian</a:t>
+            </a:r>
+            <a:r>
+              <a:rPr kumimoji="1" lang="zh-CN" altLang="en-US" sz="2400" b="1" dirty="0">
+                <a:latin typeface="Arial" charset="0"/>
+                <a:ea typeface="Arial" charset="0"/>
+                <a:cs typeface="Arial" charset="0"/>
+              </a:rPr>
+              <a:t> </a:t>
+            </a:r>
+            <a:r>
+              <a:rPr kumimoji="1" lang="en-US" altLang="zh-CN" sz="2400" b="1" dirty="0">
+                <a:latin typeface="Arial" charset="0"/>
+                <a:ea typeface="Arial" charset="0"/>
+                <a:cs typeface="Arial" charset="0"/>
+              </a:rPr>
+              <a:t>Optimization</a:t>
+            </a:r>
+            <a:endParaRPr kumimoji="1" lang="zh-CN" altLang="en-US" sz="2400" b="1" dirty="0">
+              <a:latin typeface="Arial" charset="0"/>
+              <a:ea typeface="Arial" charset="0"/>
+              <a:cs typeface="Arial" charset="0"/>
+            </a:endParaRPr>
+          </a:p>
+        </p:txBody>
+      </p:sp>
+      <p:sp>
+        <p:nvSpPr>
+          <p:cNvPr id="51" name="文本框 50"/>
           <p:cNvSpPr txBox="1"/>
           <p:nvPr/>
         </p:nvSpPr>
         <p:spPr>
           <a:xfrm>
-            <a:off x="10434099" y="5324953"/>
-            <a:ext cx="902768" cy="369332"/>
+            <a:off x="454456" y="2556803"/>
+            <a:ext cx="3461936" cy="1938992"/>
           </a:xfrm>
           <a:prstGeom prst="rect">
             <a:avLst/>
@@ -3702,73 +3429,105 @@
           <a:lstStyle/>
           <a:p>
             <a:r>
-              <a:rPr kumimoji="1" lang="en-US" altLang="zh-CN" dirty="0"/>
-              <a:t>O</a:t>
-            </a:r>
-            <a:r>
-              <a:rPr kumimoji="1" lang="en-US" altLang="zh-CN" dirty="0" smtClean="0"/>
-              <a:t>utput</a:t>
-            </a:r>
-            <a:endParaRPr kumimoji="1" lang="zh-CN" altLang="en-US" dirty="0"/>
-          </a:p>
-        </p:txBody>
-      </p:sp>
-      <p:sp>
-        <p:nvSpPr>
-          <p:cNvPr id="49" name="矩形 48"/>
-          <p:cNvSpPr/>
+              <a:rPr kumimoji="1" lang="en-US" altLang="zh-CN" sz="2400" b="1" dirty="0" smtClean="0">
+                <a:latin typeface="Arial" charset="0"/>
+                <a:ea typeface="Arial" charset="0"/>
+                <a:cs typeface="Arial" charset="0"/>
+              </a:rPr>
+              <a:t>Optimize over</a:t>
+            </a:r>
+          </a:p>
+          <a:p>
+            <a:pPr marL="342900" indent="-342900">
+              <a:buFont typeface="Arial" charset="0"/>
+              <a:buChar char="•"/>
+            </a:pPr>
+            <a:r>
+              <a:rPr kumimoji="1" lang="en-US" altLang="zh-CN" sz="2400" b="1" dirty="0" smtClean="0">
+                <a:latin typeface="Arial" charset="0"/>
+                <a:ea typeface="Arial" charset="0"/>
+                <a:cs typeface="Arial" charset="0"/>
+              </a:rPr>
+              <a:t>Learning rate </a:t>
+            </a:r>
+          </a:p>
+          <a:p>
+            <a:pPr marL="342900" indent="-342900">
+              <a:buFont typeface="Arial" charset="0"/>
+              <a:buChar char="•"/>
+            </a:pPr>
+            <a:r>
+              <a:rPr kumimoji="1" lang="en-US" altLang="zh-CN" sz="2400" b="1" dirty="0" smtClean="0">
+                <a:latin typeface="Arial" charset="0"/>
+                <a:ea typeface="Arial" charset="0"/>
+                <a:cs typeface="Arial" charset="0"/>
+              </a:rPr>
+              <a:t>Weight decay</a:t>
+            </a:r>
+            <a:endParaRPr kumimoji="1" lang="en-US" altLang="zh-CN" sz="2400" b="1" dirty="0" smtClean="0">
+              <a:latin typeface="Arial" charset="0"/>
+              <a:ea typeface="Arial" charset="0"/>
+              <a:cs typeface="Arial" charset="0"/>
+            </a:endParaRPr>
+          </a:p>
+          <a:p>
+            <a:pPr marL="342900" indent="-342900">
+              <a:buFont typeface="Arial" charset="0"/>
+              <a:buChar char="•"/>
+            </a:pPr>
+            <a:r>
+              <a:rPr kumimoji="1" lang="en-US" altLang="zh-CN" sz="2400" b="1" dirty="0" smtClean="0">
+                <a:latin typeface="Arial" charset="0"/>
+                <a:ea typeface="Arial" charset="0"/>
+                <a:cs typeface="Arial" charset="0"/>
+              </a:rPr>
+              <a:t>Number of epochs</a:t>
+            </a:r>
+            <a:endParaRPr kumimoji="1" lang="en-US" altLang="zh-CN" sz="2400" b="1" dirty="0">
+              <a:latin typeface="Arial" charset="0"/>
+              <a:ea typeface="Arial" charset="0"/>
+              <a:cs typeface="Arial" charset="0"/>
+            </a:endParaRPr>
+          </a:p>
+          <a:p>
+            <a:pPr marL="342900" indent="-342900">
+              <a:buFont typeface="Arial" charset="0"/>
+              <a:buChar char="•"/>
+            </a:pPr>
+            <a:r>
+              <a:rPr kumimoji="1" lang="en-US" altLang="zh-CN" sz="2400" b="1" dirty="0" smtClean="0">
+                <a:latin typeface="Arial" charset="0"/>
+                <a:ea typeface="Arial" charset="0"/>
+                <a:cs typeface="Arial" charset="0"/>
+              </a:rPr>
+              <a:t>Sampling ratio</a:t>
+            </a:r>
+            <a:r>
+              <a:rPr kumimoji="1" lang="zh-CN" altLang="en-US" sz="2400" b="1" dirty="0" smtClean="0">
+                <a:latin typeface="Arial" charset="0"/>
+                <a:ea typeface="Arial" charset="0"/>
+                <a:cs typeface="Arial" charset="0"/>
+              </a:rPr>
+              <a:t>  </a:t>
+            </a:r>
+            <a:endParaRPr kumimoji="1" lang="zh-CN" altLang="en-US" sz="1600" b="1" dirty="0">
+              <a:latin typeface="Arial" charset="0"/>
+              <a:ea typeface="Arial" charset="0"/>
+              <a:cs typeface="Arial" charset="0"/>
+            </a:endParaRPr>
+          </a:p>
+        </p:txBody>
+      </p:sp>
+      <p:sp>
+        <p:nvSpPr>
+          <p:cNvPr id="68" name="文本框 67"/>
+          <p:cNvSpPr txBox="1"/>
           <p:nvPr/>
         </p:nvSpPr>
         <p:spPr>
           <a:xfrm>
-            <a:off x="400050" y="-205120"/>
-            <a:ext cx="11658600" cy="6705600"/>
-          </a:xfrm>
-          <a:prstGeom prst="rect">
-            <a:avLst/>
-          </a:prstGeom>
-          <a:noFill/>
-          <a:ln w="47625">
-            <a:solidFill>
-              <a:schemeClr val="accent1"/>
-            </a:solidFill>
-          </a:ln>
-        </p:spPr>
-        <p:style>
-          <a:lnRef idx="2">
-            <a:schemeClr val="accent1">
-              <a:shade val="50000"/>
-            </a:schemeClr>
-          </a:lnRef>
-          <a:fillRef idx="1">
-            <a:schemeClr val="accent1"/>
-          </a:fillRef>
-          <a:effectRef idx="0">
-            <a:schemeClr val="accent1"/>
-          </a:effectRef>
-          <a:fontRef idx="minor">
-            <a:schemeClr val="lt1"/>
-          </a:fontRef>
-        </p:style>
-        <p:txBody>
-          <a:bodyPr rtlCol="0" anchor="ctr"/>
-          <a:lstStyle/>
-          <a:p>
-            <a:pPr algn="ctr"/>
-            <a:endParaRPr kumimoji="1" lang="zh-CN" altLang="en-US"/>
-          </a:p>
-        </p:txBody>
-      </p:sp>
-      <p:sp>
-        <p:nvSpPr>
-          <p:cNvPr id="50" name="文本框 49"/>
-          <p:cNvSpPr txBox="1"/>
-          <p:nvPr/>
-        </p:nvSpPr>
-        <p:spPr>
-          <a:xfrm>
-            <a:off x="4450138" y="-1259012"/>
-            <a:ext cx="5219701" cy="584775"/>
+            <a:off x="9169875" y="2556803"/>
+            <a:ext cx="2556041" cy="830997"/>
           </a:xfrm>
           <a:prstGeom prst="rect">
             <a:avLst/>
@@ -3782,295 +3541,363 @@
           <a:lstStyle/>
           <a:p>
             <a:r>
-              <a:rPr kumimoji="1" lang="en-US" altLang="zh-CN" sz="3200" dirty="0" smtClean="0"/>
-              <a:t>Bayesian</a:t>
-            </a:r>
-            <a:r>
-              <a:rPr kumimoji="1" lang="zh-CN" altLang="en-US" sz="3200" dirty="0" smtClean="0"/>
+              <a:rPr kumimoji="1" lang="en-US" altLang="zh-CN" sz="2400" b="1" dirty="0">
+                <a:latin typeface="Arial" charset="0"/>
+                <a:ea typeface="Arial" charset="0"/>
+                <a:cs typeface="Arial" charset="0"/>
+              </a:rPr>
+              <a:t>Optimized</a:t>
+            </a:r>
+          </a:p>
+          <a:p>
+            <a:r>
+              <a:rPr kumimoji="1" lang="en-US" altLang="zh-CN" sz="2400" b="1" dirty="0">
+                <a:latin typeface="Arial" charset="0"/>
+                <a:ea typeface="Arial" charset="0"/>
+                <a:cs typeface="Arial" charset="0"/>
+              </a:rPr>
+              <a:t>test</a:t>
+            </a:r>
+            <a:r>
+              <a:rPr kumimoji="1" lang="zh-CN" altLang="en-US" sz="2400" b="1" dirty="0">
+                <a:latin typeface="Arial" charset="0"/>
+                <a:ea typeface="Arial" charset="0"/>
+                <a:cs typeface="Arial" charset="0"/>
+              </a:rPr>
               <a:t> </a:t>
             </a:r>
             <a:r>
-              <a:rPr kumimoji="1" lang="en-US" altLang="zh-CN" sz="3200" dirty="0" smtClean="0"/>
-              <a:t>Optimization</a:t>
-            </a:r>
-            <a:endParaRPr kumimoji="1" lang="zh-CN" altLang="en-US" sz="3200" dirty="0"/>
-          </a:p>
-        </p:txBody>
-      </p:sp>
-      <p:sp>
-        <p:nvSpPr>
-          <p:cNvPr id="51" name="文本框 50"/>
-          <p:cNvSpPr txBox="1"/>
+              <a:rPr kumimoji="1" lang="en-US" altLang="zh-CN" sz="2400" b="1" dirty="0">
+                <a:latin typeface="Arial" charset="0"/>
+                <a:ea typeface="Arial" charset="0"/>
+                <a:cs typeface="Arial" charset="0"/>
+              </a:rPr>
+              <a:t>accuracy</a:t>
+            </a:r>
+          </a:p>
+        </p:txBody>
+      </p:sp>
+      <p:grpSp>
+        <p:nvGrpSpPr>
+          <p:cNvPr id="8" name="Gruppierung 7"/>
+          <p:cNvGrpSpPr/>
+          <p:nvPr/>
+        </p:nvGrpSpPr>
+        <p:grpSpPr>
+          <a:xfrm>
+            <a:off x="1845679" y="4941222"/>
+            <a:ext cx="8566322" cy="1407820"/>
+            <a:chOff x="1340767" y="4751417"/>
+            <a:chExt cx="9996100" cy="1641608"/>
+          </a:xfrm>
+        </p:grpSpPr>
+        <p:pic>
+          <p:nvPicPr>
+            <p:cNvPr id="21" name="图片 4"/>
+            <p:cNvPicPr>
+              <a:picLocks noChangeAspect="1"/>
+            </p:cNvPicPr>
+            <p:nvPr/>
+          </p:nvPicPr>
+          <p:blipFill rotWithShape="1">
+            <a:blip r:embed="rId3">
+              <a:extLst>
+                <a:ext uri="{28A0092B-C50C-407E-A947-70E740481C1C}">
+                  <a14:useLocalDpi xmlns:a14="http://schemas.microsoft.com/office/drawing/2010/main" val="0"/>
+                </a:ext>
+              </a:extLst>
+            </a:blip>
+            <a:srcRect l="2406" r="3264"/>
+            <a:stretch/>
+          </p:blipFill>
+          <p:spPr>
+            <a:xfrm>
+              <a:off x="1340767" y="4751417"/>
+              <a:ext cx="9996100" cy="1641608"/>
+            </a:xfrm>
+            <a:prstGeom prst="rect">
+              <a:avLst/>
+            </a:prstGeom>
+          </p:spPr>
+        </p:pic>
+        <p:pic>
+          <p:nvPicPr>
+            <p:cNvPr id="3" name="Bild 2"/>
+            <p:cNvPicPr>
+              <a:picLocks noChangeAspect="1"/>
+            </p:cNvPicPr>
+            <p:nvPr/>
+          </p:nvPicPr>
+          <p:blipFill rotWithShape="1">
+            <a:blip r:embed="rId4">
+              <a:extLst>
+                <a:ext uri="{28A0092B-C50C-407E-A947-70E740481C1C}">
+                  <a14:useLocalDpi xmlns:a14="http://schemas.microsoft.com/office/drawing/2010/main" val="0"/>
+                </a:ext>
+              </a:extLst>
+            </a:blip>
+            <a:srcRect t="6458" r="9755" b="5180"/>
+            <a:stretch/>
+          </p:blipFill>
+          <p:spPr>
+            <a:xfrm>
+              <a:off x="1468580" y="5199413"/>
+              <a:ext cx="886693" cy="861380"/>
+            </a:xfrm>
+            <a:prstGeom prst="rect">
+              <a:avLst/>
+            </a:prstGeom>
+          </p:spPr>
+        </p:pic>
+        <p:sp>
+          <p:nvSpPr>
+            <p:cNvPr id="45" name="矩形 44"/>
+            <p:cNvSpPr/>
+            <p:nvPr/>
+          </p:nvSpPr>
+          <p:spPr>
+            <a:xfrm>
+              <a:off x="10506219" y="5427434"/>
+              <a:ext cx="673906" cy="406580"/>
+            </a:xfrm>
+            <a:prstGeom prst="rect">
+              <a:avLst/>
+            </a:prstGeom>
+            <a:solidFill>
+              <a:schemeClr val="bg1"/>
+            </a:solidFill>
+            <a:ln>
+              <a:noFill/>
+            </a:ln>
+          </p:spPr>
+          <p:style>
+            <a:lnRef idx="2">
+              <a:schemeClr val="accent1">
+                <a:shade val="50000"/>
+              </a:schemeClr>
+            </a:lnRef>
+            <a:fillRef idx="1">
+              <a:schemeClr val="accent1"/>
+            </a:fillRef>
+            <a:effectRef idx="0">
+              <a:schemeClr val="accent1"/>
+            </a:effectRef>
+            <a:fontRef idx="minor">
+              <a:schemeClr val="lt1"/>
+            </a:fontRef>
+          </p:style>
+          <p:txBody>
+            <a:bodyPr rtlCol="0" anchor="ctr"/>
+            <a:lstStyle/>
+            <a:p>
+              <a:pPr algn="ctr"/>
+              <a:endParaRPr kumimoji="1" lang="zh-CN" altLang="en-US"/>
+            </a:p>
+          </p:txBody>
+        </p:sp>
+        <p:sp>
+          <p:nvSpPr>
+            <p:cNvPr id="6" name="Textfeld 5"/>
+            <p:cNvSpPr txBox="1"/>
+            <p:nvPr/>
+          </p:nvSpPr>
+          <p:spPr>
+            <a:xfrm>
+              <a:off x="10471643" y="5416141"/>
+              <a:ext cx="740100" cy="476685"/>
+            </a:xfrm>
+            <a:prstGeom prst="rect">
+              <a:avLst/>
+            </a:prstGeom>
+            <a:noFill/>
+          </p:spPr>
+          <p:txBody>
+            <a:bodyPr wrap="square" rtlCol="0">
+              <a:spAutoFit/>
+            </a:bodyPr>
+            <a:lstStyle/>
+            <a:p>
+              <a:pPr algn="ctr"/>
+              <a:r>
+                <a:rPr lang="de-DE" sz="800" b="1" dirty="0" err="1" smtClean="0"/>
+                <a:t>Disease</a:t>
+              </a:r>
+              <a:endParaRPr lang="de-DE" sz="800" b="1" dirty="0" smtClean="0"/>
+            </a:p>
+            <a:p>
+              <a:pPr algn="ctr"/>
+              <a:r>
+                <a:rPr lang="de-DE" sz="800" b="1" dirty="0" smtClean="0"/>
+                <a:t>type</a:t>
+              </a:r>
+              <a:endParaRPr lang="de-DE" sz="800" b="1" dirty="0"/>
+            </a:p>
+          </p:txBody>
+        </p:sp>
+      </p:grpSp>
+      <p:sp>
+        <p:nvSpPr>
+          <p:cNvPr id="13" name="Rechteckiger Pfeil 12"/>
+          <p:cNvSpPr/>
           <p:nvPr/>
         </p:nvSpPr>
         <p:spPr>
           <a:xfrm>
-            <a:off x="-1275337" y="-1389576"/>
-            <a:ext cx="4215189" cy="830997"/>
+            <a:off x="1630842" y="625488"/>
+            <a:ext cx="1429486" cy="1547120"/>
           </a:xfrm>
-          <a:prstGeom prst="rect">
+          <a:prstGeom prst="bentArrow">
             <a:avLst/>
           </a:prstGeom>
-          <a:noFill/>
         </p:spPr>
-        <p:txBody>
-          <a:bodyPr wrap="square" rtlCol="0">
-            <a:spAutoFit/>
-          </a:bodyPr>
-          <a:lstStyle/>
-          <a:p>
-            <a:r>
-              <a:rPr kumimoji="1" lang="en-US" altLang="zh-CN" sz="2400" dirty="0" err="1"/>
-              <a:t>l</a:t>
-            </a:r>
-            <a:r>
-              <a:rPr kumimoji="1" lang="en-US" altLang="zh-CN" sz="2400" dirty="0" err="1" smtClean="0"/>
-              <a:t>earning_rate</a:t>
-            </a:r>
-            <a:r>
-              <a:rPr kumimoji="1" lang="en-US" altLang="zh-CN" sz="2400" dirty="0" smtClean="0"/>
-              <a:t>,</a:t>
-            </a:r>
-            <a:r>
-              <a:rPr kumimoji="1" lang="zh-CN" altLang="en-US" sz="2400" dirty="0"/>
-              <a:t> </a:t>
-            </a:r>
-            <a:r>
-              <a:rPr kumimoji="1" lang="en-US" altLang="zh-CN" sz="2400" dirty="0" err="1" smtClean="0"/>
-              <a:t>weight_decay</a:t>
-            </a:r>
-            <a:r>
-              <a:rPr kumimoji="1" lang="en-US" altLang="zh-CN" sz="2400" dirty="0" smtClean="0"/>
-              <a:t>,</a:t>
-            </a:r>
-            <a:r>
-              <a:rPr kumimoji="1" lang="zh-CN" altLang="en-US" sz="2400" dirty="0" smtClean="0"/>
-              <a:t> </a:t>
-            </a:r>
-            <a:endParaRPr kumimoji="1" lang="en-US" altLang="zh-CN" sz="2400" dirty="0" smtClean="0"/>
-          </a:p>
-          <a:p>
-            <a:r>
-              <a:rPr kumimoji="1" lang="en-US" altLang="zh-CN" sz="2400" dirty="0" err="1" smtClean="0"/>
-              <a:t>num_epochs</a:t>
-            </a:r>
-            <a:r>
-              <a:rPr kumimoji="1" lang="en-US" altLang="zh-CN" sz="2400" dirty="0" smtClean="0"/>
-              <a:t>,</a:t>
-            </a:r>
-            <a:r>
-              <a:rPr kumimoji="1" lang="zh-CN" altLang="en-US" sz="2400" dirty="0" smtClean="0"/>
-              <a:t> </a:t>
-            </a:r>
-            <a:r>
-              <a:rPr kumimoji="1" lang="en-US" altLang="zh-CN" sz="2400" dirty="0" smtClean="0"/>
-              <a:t>factor</a:t>
-            </a:r>
-            <a:r>
-              <a:rPr kumimoji="1" lang="zh-CN" altLang="en-US" sz="2400" dirty="0" smtClean="0"/>
-              <a:t> </a:t>
-            </a:r>
-            <a:r>
-              <a:rPr kumimoji="1" lang="en-US" altLang="zh-CN" sz="2400" dirty="0" smtClean="0"/>
-              <a:t>...</a:t>
-            </a:r>
-            <a:r>
-              <a:rPr kumimoji="1" lang="zh-CN" altLang="en-US" sz="2400" dirty="0" smtClean="0"/>
-              <a:t>  </a:t>
-            </a:r>
-            <a:endParaRPr kumimoji="1" lang="zh-CN" altLang="en-US" sz="1600" dirty="0"/>
-          </a:p>
-        </p:txBody>
-      </p:sp>
-      <p:cxnSp>
-        <p:nvCxnSpPr>
-          <p:cNvPr id="63" name="直线箭头连接符 62"/>
-          <p:cNvCxnSpPr/>
+        <p:style>
+          <a:lnRef idx="2">
+            <a:schemeClr val="accent6"/>
+          </a:lnRef>
+          <a:fillRef idx="1">
+            <a:schemeClr val="lt1"/>
+          </a:fillRef>
+          <a:effectRef idx="0">
+            <a:schemeClr val="accent6"/>
+          </a:effectRef>
+          <a:fontRef idx="minor">
+            <a:schemeClr val="dk1"/>
+          </a:fontRef>
+        </p:style>
+        <p:txBody>
+          <a:bodyPr rtlCol="0" anchor="ctr"/>
+          <a:lstStyle/>
+          <a:p>
+            <a:pPr algn="ctr"/>
+            <a:endParaRPr lang="de-DE">
+              <a:solidFill>
+                <a:schemeClr val="tx1"/>
+              </a:solidFill>
+            </a:endParaRPr>
+          </a:p>
+        </p:txBody>
+      </p:sp>
+      <p:sp>
+        <p:nvSpPr>
+          <p:cNvPr id="28" name="Rechteckiger Pfeil 27"/>
+          <p:cNvSpPr/>
           <p:nvPr/>
-        </p:nvCxnSpPr>
+        </p:nvSpPr>
         <p:spPr>
-          <a:xfrm>
-            <a:off x="-53460" y="-482379"/>
-            <a:ext cx="360000" cy="1332629"/>
+          <a:xfrm rot="5400000">
+            <a:off x="9021592" y="740757"/>
+            <a:ext cx="1390681" cy="1461927"/>
           </a:xfrm>
-          <a:prstGeom prst="straightConnector1">
+          <a:prstGeom prst="bentArrow">
             <a:avLst/>
           </a:prstGeom>
-          <a:ln w="34925">
-            <a:solidFill>
-              <a:schemeClr val="tx1"/>
-            </a:solidFill>
-            <a:headEnd w="lg" len="lg"/>
-            <a:tailEnd type="triangle" w="lg" len="lg"/>
-          </a:ln>
         </p:spPr>
         <p:style>
-          <a:lnRef idx="1">
-            <a:schemeClr val="accent1"/>
+          <a:lnRef idx="2">
+            <a:schemeClr val="accent6"/>
           </a:lnRef>
-          <a:fillRef idx="0">
-            <a:schemeClr val="accent1"/>
+          <a:fillRef idx="1">
+            <a:schemeClr val="lt1"/>
           </a:fillRef>
           <a:effectRef idx="0">
-            <a:schemeClr val="accent1"/>
+            <a:schemeClr val="accent6"/>
           </a:effectRef>
           <a:fontRef idx="minor">
-            <a:schemeClr val="tx1"/>
+            <a:schemeClr val="dk1"/>
           </a:fontRef>
         </p:style>
-      </p:cxnSp>
-      <p:sp>
-        <p:nvSpPr>
-          <p:cNvPr id="68" name="文本框 67"/>
-          <p:cNvSpPr txBox="1"/>
-          <p:nvPr/>
-        </p:nvSpPr>
-        <p:spPr>
-          <a:xfrm>
-            <a:off x="11180125" y="-1150327"/>
-            <a:ext cx="2556041" cy="461665"/>
-          </a:xfrm>
-          <a:prstGeom prst="rect">
-            <a:avLst/>
-          </a:prstGeom>
-          <a:noFill/>
-        </p:spPr>
-        <p:txBody>
-          <a:bodyPr wrap="square" rtlCol="0">
-            <a:spAutoFit/>
-          </a:bodyPr>
-          <a:lstStyle/>
-          <a:p>
-            <a:r>
-              <a:rPr kumimoji="1" lang="en-US" altLang="zh-CN" sz="2400" dirty="0" smtClean="0"/>
-              <a:t>test</a:t>
-            </a:r>
-            <a:r>
-              <a:rPr kumimoji="1" lang="zh-CN" altLang="en-US" sz="2400" dirty="0" smtClean="0"/>
-              <a:t> </a:t>
-            </a:r>
-            <a:r>
-              <a:rPr kumimoji="1" lang="en-US" altLang="zh-CN" sz="2400" dirty="0" smtClean="0"/>
-              <a:t>accuracy</a:t>
-            </a:r>
-          </a:p>
-        </p:txBody>
-      </p:sp>
-      <p:cxnSp>
-        <p:nvCxnSpPr>
-          <p:cNvPr id="69" name="直线箭头连接符 68"/>
-          <p:cNvCxnSpPr/>
-          <p:nvPr/>
-        </p:nvCxnSpPr>
-        <p:spPr>
-          <a:xfrm flipH="1">
-            <a:off x="12139830" y="-477516"/>
-            <a:ext cx="360000" cy="1332000"/>
-          </a:xfrm>
-          <a:prstGeom prst="straightConnector1">
-            <a:avLst/>
-          </a:prstGeom>
-          <a:ln w="34925">
-            <a:solidFill>
-              <a:schemeClr val="tx1"/>
-            </a:solidFill>
-            <a:headEnd type="triangle" w="lg" len="lg"/>
-            <a:tailEnd type="none"/>
-          </a:ln>
-        </p:spPr>
-        <p:style>
-          <a:lnRef idx="1">
-            <a:schemeClr val="accent1"/>
-          </a:lnRef>
-          <a:fillRef idx="0">
-            <a:schemeClr val="accent1"/>
-          </a:fillRef>
-          <a:effectRef idx="0">
-            <a:schemeClr val="accent1"/>
-          </a:effectRef>
-          <a:fontRef idx="minor">
-            <a:schemeClr val="tx1"/>
-          </a:fontRef>
-        </p:style>
-      </p:cxnSp>
-      <p:cxnSp>
-        <p:nvCxnSpPr>
-          <p:cNvPr id="19" name="直线箭头连接符 18"/>
-          <p:cNvCxnSpPr/>
-          <p:nvPr/>
-        </p:nvCxnSpPr>
-        <p:spPr>
-          <a:xfrm flipV="1">
-            <a:off x="8910925" y="-919495"/>
-            <a:ext cx="1440000" cy="0"/>
-          </a:xfrm>
-          <a:prstGeom prst="straightConnector1">
-            <a:avLst/>
-          </a:prstGeom>
-          <a:ln w="34925">
-            <a:solidFill>
-              <a:schemeClr val="tx1"/>
-            </a:solidFill>
-            <a:headEnd type="triangle" w="lg" len="lg"/>
-            <a:tailEnd type="none"/>
-          </a:ln>
-        </p:spPr>
-        <p:style>
-          <a:lnRef idx="1">
-            <a:schemeClr val="accent1"/>
-          </a:lnRef>
-          <a:fillRef idx="0">
-            <a:schemeClr val="accent1"/>
-          </a:fillRef>
-          <a:effectRef idx="0">
-            <a:schemeClr val="accent1"/>
-          </a:effectRef>
-          <a:fontRef idx="minor">
-            <a:schemeClr val="tx1"/>
-          </a:fontRef>
-        </p:style>
-      </p:cxnSp>
-      <p:cxnSp>
-        <p:nvCxnSpPr>
-          <p:cNvPr id="22" name="直线箭头连接符 21"/>
-          <p:cNvCxnSpPr/>
-          <p:nvPr/>
-        </p:nvCxnSpPr>
-        <p:spPr>
-          <a:xfrm flipV="1">
-            <a:off x="2798990" y="-966625"/>
-            <a:ext cx="1440000" cy="0"/>
-          </a:xfrm>
-          <a:prstGeom prst="straightConnector1">
-            <a:avLst/>
-          </a:prstGeom>
-          <a:ln w="34925">
-            <a:solidFill>
-              <a:schemeClr val="tx1"/>
-            </a:solidFill>
-            <a:headEnd type="triangle" w="lg" len="lg"/>
-            <a:tailEnd type="none"/>
-          </a:ln>
-        </p:spPr>
-        <p:style>
-          <a:lnRef idx="1">
-            <a:schemeClr val="accent1"/>
-          </a:lnRef>
-          <a:fillRef idx="0">
-            <a:schemeClr val="accent1"/>
-          </a:fillRef>
-          <a:effectRef idx="0">
-            <a:schemeClr val="accent1"/>
-          </a:effectRef>
-          <a:fontRef idx="minor">
-            <a:schemeClr val="tx1"/>
-          </a:fontRef>
-        </p:style>
-      </p:cxnSp>
+        <p:txBody>
+          <a:bodyPr rtlCol="0" anchor="ctr"/>
+          <a:lstStyle/>
+          <a:p>
+            <a:pPr algn="ctr"/>
+            <a:endParaRPr lang="de-DE">
+              <a:solidFill>
+                <a:schemeClr val="tx1"/>
+              </a:solidFill>
+            </a:endParaRPr>
+          </a:p>
+        </p:txBody>
+      </p:sp>
     </p:spTree>
     <p:extLst>
       <p:ext uri="{BB962C8B-B14F-4D97-AF65-F5344CB8AC3E}">
         <p14:creationId xmlns:p14="http://schemas.microsoft.com/office/powerpoint/2010/main" val="906886428"/>
+      </p:ext>
+    </p:extLst>
+  </p:cSld>
+  <p:clrMapOvr>
+    <a:masterClrMapping/>
+  </p:clrMapOvr>
+  <p:timing>
+    <p:tnLst>
+      <p:par>
+        <p:cTn id="1" dur="indefinite" restart="never" nodeType="tmRoot"/>
+      </p:par>
+    </p:tnLst>
+  </p:timing>
+</p:sld>
+</file>
+
+<file path=ppt/slides/slide2.xml><?xml version="1.0" encoding="utf-8"?>
+<p:sld xmlns:a="http://schemas.openxmlformats.org/drawingml/2006/main" xmlns:r="http://schemas.openxmlformats.org/officeDocument/2006/relationships" xmlns:p="http://schemas.openxmlformats.org/presentationml/2006/main">
+  <p:cSld>
+    <p:spTree>
+      <p:nvGrpSpPr>
+        <p:cNvPr id="1" name=""/>
+        <p:cNvGrpSpPr/>
+        <p:nvPr/>
+      </p:nvGrpSpPr>
+      <p:grpSpPr>
+        <a:xfrm>
+          <a:off x="0" y="0"/>
+          <a:ext cx="0" cy="0"/>
+          <a:chOff x="0" y="0"/>
+          <a:chExt cx="0" cy="0"/>
+        </a:xfrm>
+      </p:grpSpPr>
+      <p:sp>
+        <p:nvSpPr>
+          <p:cNvPr id="2" name="Titel 1"/>
+          <p:cNvSpPr>
+            <a:spLocks noGrp="1"/>
+          </p:cNvSpPr>
+          <p:nvPr>
+            <p:ph type="title"/>
+          </p:nvPr>
+        </p:nvSpPr>
+        <p:spPr/>
+        <p:txBody>
+          <a:bodyPr/>
+          <a:lstStyle/>
+          <a:p>
+            <a:endParaRPr lang="de-DE"/>
+          </a:p>
+        </p:txBody>
+      </p:sp>
+      <p:sp>
+        <p:nvSpPr>
+          <p:cNvPr id="3" name="Inhaltsplatzhalter 2"/>
+          <p:cNvSpPr>
+            <a:spLocks noGrp="1"/>
+          </p:cNvSpPr>
+          <p:nvPr>
+            <p:ph idx="1"/>
+          </p:nvPr>
+        </p:nvSpPr>
+        <p:spPr/>
+        <p:txBody>
+          <a:bodyPr/>
+          <a:lstStyle/>
+          <a:p>
+            <a:endParaRPr lang="de-DE"/>
+          </a:p>
+        </p:txBody>
+      </p:sp>
+    </p:spTree>
+    <p:extLst>
+      <p:ext uri="{BB962C8B-B14F-4D97-AF65-F5344CB8AC3E}">
+        <p14:creationId xmlns:p14="http://schemas.microsoft.com/office/powerpoint/2010/main" val="2059343545"/>
       </p:ext>
     </p:extLst>
   </p:cSld>

--- a/doc/poster/assets/densenet.pptx
+++ b/doc/poster/assets/densenet.pptx
@@ -3347,7 +3347,7 @@
         </p:blipFill>
         <p:spPr>
           <a:xfrm>
-            <a:off x="3307606" y="1483395"/>
+            <a:off x="3534423" y="1532406"/>
             <a:ext cx="5642467" cy="3457827"/>
           </a:xfrm>
         </p:spPr>
@@ -3360,7 +3360,7 @@
         </p:nvSpPr>
         <p:spPr>
           <a:xfrm>
-            <a:off x="4202975" y="518546"/>
+            <a:off x="4233799" y="900772"/>
             <a:ext cx="3640347" cy="461665"/>
           </a:xfrm>
           <a:prstGeom prst="rect">
@@ -3391,7 +3391,7 @@
               <a:t> </a:t>
             </a:r>
             <a:r>
-              <a:rPr kumimoji="1" lang="en-US" altLang="zh-CN" sz="2400" b="1" dirty="0">
+              <a:rPr kumimoji="1" lang="en-US" altLang="zh-CN" sz="2400" b="1" dirty="0" smtClean="0">
                 <a:latin typeface="Arial" charset="0"/>
                 <a:ea typeface="Arial" charset="0"/>
                 <a:cs typeface="Arial" charset="0"/>
@@ -3414,8 +3414,8 @@
         </p:nvSpPr>
         <p:spPr>
           <a:xfrm>
-            <a:off x="454456" y="2556803"/>
-            <a:ext cx="3461936" cy="1938992"/>
+            <a:off x="398781" y="892517"/>
+            <a:ext cx="3461936" cy="2308324"/>
           </a:xfrm>
           <a:prstGeom prst="rect">
             <a:avLst/>
@@ -3434,8 +3434,15 @@
                 <a:ea typeface="Arial" charset="0"/>
                 <a:cs typeface="Arial" charset="0"/>
               </a:rPr>
-              <a:t>Optimize over</a:t>
-            </a:r>
+              <a:t>Hyper parameter</a:t>
+            </a:r>
+          </a:p>
+          <a:p>
+            <a:endParaRPr kumimoji="1" lang="en-US" altLang="zh-CN" sz="2400" b="1" dirty="0" smtClean="0">
+              <a:latin typeface="Arial" charset="0"/>
+              <a:ea typeface="Arial" charset="0"/>
+              <a:cs typeface="Arial" charset="0"/>
+            </a:endParaRPr>
           </a:p>
           <a:p>
             <a:pPr marL="342900" indent="-342900">
@@ -3526,8 +3533,8 @@
         </p:nvSpPr>
         <p:spPr>
           <a:xfrm>
-            <a:off x="9169875" y="2556803"/>
-            <a:ext cx="2556041" cy="830997"/>
+            <a:off x="8999655" y="890333"/>
+            <a:ext cx="2556041" cy="461665"/>
           </a:xfrm>
           <a:prstGeom prst="rect">
             <a:avLst/>
@@ -3546,20 +3553,18 @@
                 <a:ea typeface="Arial" charset="0"/>
                 <a:cs typeface="Arial" charset="0"/>
               </a:rPr>
-              <a:t>Optimized</a:t>
-            </a:r>
-          </a:p>
-          <a:p>
-            <a:r>
-              <a:rPr kumimoji="1" lang="en-US" altLang="zh-CN" sz="2400" b="1" dirty="0">
+              <a:t>T</a:t>
+            </a:r>
+            <a:r>
+              <a:rPr kumimoji="1" lang="en-US" altLang="zh-CN" sz="2400" b="1" dirty="0" smtClean="0">
                 <a:latin typeface="Arial" charset="0"/>
                 <a:ea typeface="Arial" charset="0"/>
                 <a:cs typeface="Arial" charset="0"/>
               </a:rPr>
-              <a:t>test</a:t>
-            </a:r>
-            <a:r>
-              <a:rPr kumimoji="1" lang="zh-CN" altLang="en-US" sz="2400" b="1" dirty="0">
+              <a:t>est</a:t>
+            </a:r>
+            <a:r>
+              <a:rPr kumimoji="1" lang="zh-CN" altLang="en-US" sz="2400" b="1" dirty="0" smtClean="0">
                 <a:latin typeface="Arial" charset="0"/>
                 <a:ea typeface="Arial" charset="0"/>
                 <a:cs typeface="Arial" charset="0"/>
@@ -3567,13 +3572,18 @@
               <a:t> </a:t>
             </a:r>
             <a:r>
-              <a:rPr kumimoji="1" lang="en-US" altLang="zh-CN" sz="2400" b="1" dirty="0">
+              <a:rPr kumimoji="1" lang="en-US" altLang="zh-CN" sz="2400" b="1" dirty="0" smtClean="0">
                 <a:latin typeface="Arial" charset="0"/>
                 <a:ea typeface="Arial" charset="0"/>
                 <a:cs typeface="Arial" charset="0"/>
               </a:rPr>
               <a:t>accuracy</a:t>
             </a:r>
+            <a:endParaRPr kumimoji="1" lang="en-US" altLang="zh-CN" sz="2400" b="1" dirty="0">
+              <a:latin typeface="Arial" charset="0"/>
+              <a:ea typeface="Arial" charset="0"/>
+              <a:cs typeface="Arial" charset="0"/>
+            </a:endParaRPr>
           </a:p>
         </p:txBody>
       </p:sp>
@@ -3737,14 +3747,14 @@
       </p:grpSp>
       <p:sp>
         <p:nvSpPr>
-          <p:cNvPr id="13" name="Rechteckiger Pfeil 12"/>
+          <p:cNvPr id="17" name="Rechteckiger Pfeil 16"/>
           <p:cNvSpPr/>
           <p:nvPr/>
         </p:nvSpPr>
         <p:spPr>
-          <a:xfrm>
-            <a:off x="1630842" y="625488"/>
-            <a:ext cx="1429486" cy="1547120"/>
+          <a:xfrm flipV="1">
+            <a:off x="1557457" y="3246589"/>
+            <a:ext cx="1555371" cy="1358377"/>
           </a:xfrm>
           <a:prstGeom prst="bentArrow">
             <a:avLst/>
@@ -3779,14 +3789,14 @@
       </p:sp>
       <p:sp>
         <p:nvSpPr>
-          <p:cNvPr id="28" name="Rechteckiger Pfeil 27"/>
+          <p:cNvPr id="33" name="Rechteckiger Pfeil 32"/>
           <p:cNvSpPr/>
           <p:nvPr/>
         </p:nvSpPr>
         <p:spPr>
-          <a:xfrm rot="5400000">
-            <a:off x="9021592" y="740757"/>
-            <a:ext cx="1390681" cy="1461927"/>
+          <a:xfrm rot="16200000" flipV="1">
+            <a:off x="9499989" y="3148092"/>
+            <a:ext cx="1555371" cy="1358377"/>
           </a:xfrm>
           <a:prstGeom prst="bentArrow">
             <a:avLst/>
@@ -3816,6 +3826,82 @@
                 <a:schemeClr val="tx1"/>
               </a:solidFill>
             </a:endParaRPr>
+          </a:p>
+        </p:txBody>
+      </p:sp>
+      <p:sp>
+        <p:nvSpPr>
+          <p:cNvPr id="18" name="Pfeil nach rechts 17"/>
+          <p:cNvSpPr/>
+          <p:nvPr/>
+        </p:nvSpPr>
+        <p:spPr>
+          <a:xfrm flipH="1">
+            <a:off x="7874146" y="896913"/>
+            <a:ext cx="733451" cy="544366"/>
+          </a:xfrm>
+          <a:prstGeom prst="rightArrow">
+            <a:avLst/>
+          </a:prstGeom>
+        </p:spPr>
+        <p:style>
+          <a:lnRef idx="2">
+            <a:schemeClr val="accent6"/>
+          </a:lnRef>
+          <a:fillRef idx="1">
+            <a:schemeClr val="lt1"/>
+          </a:fillRef>
+          <a:effectRef idx="0">
+            <a:schemeClr val="accent6"/>
+          </a:effectRef>
+          <a:fontRef idx="minor">
+            <a:schemeClr val="dk1"/>
+          </a:fontRef>
+        </p:style>
+        <p:txBody>
+          <a:bodyPr rtlCol="0" anchor="ctr"/>
+          <a:lstStyle/>
+          <a:p>
+            <a:pPr algn="ctr"/>
+            <a:endParaRPr lang="de-DE"/>
+          </a:p>
+        </p:txBody>
+      </p:sp>
+      <p:sp>
+        <p:nvSpPr>
+          <p:cNvPr id="36" name="Pfeil nach rechts 35"/>
+          <p:cNvSpPr/>
+          <p:nvPr/>
+        </p:nvSpPr>
+        <p:spPr>
+          <a:xfrm flipH="1">
+            <a:off x="3134885" y="890333"/>
+            <a:ext cx="808840" cy="544366"/>
+          </a:xfrm>
+          <a:prstGeom prst="rightArrow">
+            <a:avLst/>
+          </a:prstGeom>
+        </p:spPr>
+        <p:style>
+          <a:lnRef idx="2">
+            <a:schemeClr val="accent6"/>
+          </a:lnRef>
+          <a:fillRef idx="1">
+            <a:schemeClr val="lt1"/>
+          </a:fillRef>
+          <a:effectRef idx="0">
+            <a:schemeClr val="accent6"/>
+          </a:effectRef>
+          <a:fontRef idx="minor">
+            <a:schemeClr val="dk1"/>
+          </a:fontRef>
+        </p:style>
+        <p:txBody>
+          <a:bodyPr rtlCol="0" anchor="ctr"/>
+          <a:lstStyle/>
+          <a:p>
+            <a:pPr algn="ctr"/>
+            <a:endParaRPr lang="de-DE"/>
           </a:p>
         </p:txBody>
       </p:sp>

--- a/doc/poster/assets/densenet.pptx
+++ b/doc/poster/assets/densenet.pptx
@@ -3429,13 +3429,18 @@
           <a:lstStyle/>
           <a:p>
             <a:r>
-              <a:rPr kumimoji="1" lang="en-US" altLang="zh-CN" sz="2400" b="1" dirty="0" smtClean="0">
+              <a:rPr kumimoji="1" lang="en-US" altLang="zh-CN" sz="2400" b="1" dirty="0" err="1" smtClean="0">
                 <a:latin typeface="Arial" charset="0"/>
                 <a:ea typeface="Arial" charset="0"/>
                 <a:cs typeface="Arial" charset="0"/>
               </a:rPr>
-              <a:t>Hyper parameter</a:t>
-            </a:r>
+              <a:t>Hyperparameters</a:t>
+            </a:r>
+            <a:endParaRPr kumimoji="1" lang="en-US" altLang="zh-CN" sz="2400" b="1" dirty="0" smtClean="0">
+              <a:latin typeface="Arial" charset="0"/>
+              <a:ea typeface="Arial" charset="0"/>
+              <a:cs typeface="Arial" charset="0"/>
+            </a:endParaRPr>
           </a:p>
           <a:p>
             <a:endParaRPr kumimoji="1" lang="en-US" altLang="zh-CN" sz="2400" b="1" dirty="0" smtClean="0">
@@ -3471,11 +3476,6 @@
               </a:rPr>
               <a:t>Weight decay</a:t>
             </a:r>
-            <a:endParaRPr kumimoji="1" lang="en-US" altLang="zh-CN" sz="2400" b="1" dirty="0" smtClean="0">
-              <a:latin typeface="Arial" charset="0"/>
-              <a:ea typeface="Arial" charset="0"/>
-              <a:cs typeface="Arial" charset="0"/>
-            </a:endParaRPr>
           </a:p>
           <a:p>
             <a:pPr marL="342900" indent="-342900">

--- a/doc/poster/assets/densenet.pptx
+++ b/doc/poster/assets/densenet.pptx
@@ -3333,7 +3333,7 @@
             <p:ph idx="1"/>
           </p:nvPr>
         </p:nvPicPr>
-        <p:blipFill>
+        <p:blipFill rotWithShape="1">
           <a:blip r:embed="rId2">
             <a:extLst>
               <a:ext uri="{28A0092B-C50C-407E-A947-70E740481C1C}">
@@ -3341,14 +3341,13 @@
               </a:ext>
             </a:extLst>
           </a:blip>
-          <a:stretch>
-            <a:fillRect/>
-          </a:stretch>
+          <a:srcRect b="4370"/>
+          <a:stretch/>
         </p:blipFill>
         <p:spPr>
           <a:xfrm>
-            <a:off x="3534423" y="1532406"/>
-            <a:ext cx="5642467" cy="3457827"/>
+            <a:off x="3218963" y="1888781"/>
+            <a:ext cx="5642467" cy="3306723"/>
           </a:xfrm>
         </p:spPr>
       </p:pic>
@@ -3360,7 +3359,7 @@
         </p:nvSpPr>
         <p:spPr>
           <a:xfrm>
-            <a:off x="4233799" y="900772"/>
+            <a:off x="4220023" y="973530"/>
             <a:ext cx="3640347" cy="461665"/>
           </a:xfrm>
           <a:prstGeom prst="rect">
@@ -3375,7 +3374,7 @@
           <a:lstStyle/>
           <a:p>
             <a:r>
-              <a:rPr kumimoji="1" lang="en-US" altLang="zh-CN" sz="2400" b="1" dirty="0">
+              <a:rPr kumimoji="1" lang="en-US" altLang="zh-CN" sz="2400" dirty="0">
                 <a:latin typeface="Arial" charset="0"/>
                 <a:ea typeface="Arial" charset="0"/>
                 <a:cs typeface="Arial" charset="0"/>
@@ -3383,7 +3382,7 @@
               <a:t>Bayesian</a:t>
             </a:r>
             <a:r>
-              <a:rPr kumimoji="1" lang="zh-CN" altLang="en-US" sz="2400" b="1" dirty="0">
+              <a:rPr kumimoji="1" lang="zh-CN" altLang="en-US" sz="2400" dirty="0">
                 <a:latin typeface="Arial" charset="0"/>
                 <a:ea typeface="Arial" charset="0"/>
                 <a:cs typeface="Arial" charset="0"/>
@@ -3391,14 +3390,14 @@
               <a:t> </a:t>
             </a:r>
             <a:r>
-              <a:rPr kumimoji="1" lang="en-US" altLang="zh-CN" sz="2400" b="1" dirty="0" smtClean="0">
+              <a:rPr kumimoji="1" lang="en-US" altLang="zh-CN" sz="2400" dirty="0" smtClean="0">
                 <a:latin typeface="Arial" charset="0"/>
                 <a:ea typeface="Arial" charset="0"/>
                 <a:cs typeface="Arial" charset="0"/>
               </a:rPr>
               <a:t>Optimization</a:t>
             </a:r>
-            <a:endParaRPr kumimoji="1" lang="zh-CN" altLang="en-US" sz="2400" b="1" dirty="0">
+            <a:endParaRPr kumimoji="1" lang="zh-CN" altLang="en-US" sz="2400" dirty="0">
               <a:latin typeface="Arial" charset="0"/>
               <a:ea typeface="Arial" charset="0"/>
               <a:cs typeface="Arial" charset="0"/>
@@ -3414,8 +3413,8 @@
         </p:nvSpPr>
         <p:spPr>
           <a:xfrm>
-            <a:off x="398781" y="892517"/>
-            <a:ext cx="3461936" cy="2308324"/>
+            <a:off x="610320" y="2870788"/>
+            <a:ext cx="3461938" cy="1569660"/>
           </a:xfrm>
           <a:prstGeom prst="rect">
             <a:avLst/>
@@ -3428,26 +3427,26 @@
           </a:bodyPr>
           <a:lstStyle/>
           <a:p>
-            <a:r>
-              <a:rPr kumimoji="1" lang="en-US" altLang="zh-CN" sz="2400" b="1" dirty="0" err="1" smtClean="0">
+            <a:pPr marL="342900" indent="-342900">
+              <a:buFont typeface="Arial" charset="0"/>
+              <a:buChar char="•"/>
+            </a:pPr>
+            <a:r>
+              <a:rPr kumimoji="1" lang="en-US" altLang="zh-CN" sz="2400" dirty="0" smtClean="0">
                 <a:latin typeface="Arial" charset="0"/>
                 <a:ea typeface="Arial" charset="0"/>
                 <a:cs typeface="Arial" charset="0"/>
               </a:rPr>
-              <a:t>Hyperparameters</a:t>
-            </a:r>
-            <a:endParaRPr kumimoji="1" lang="en-US" altLang="zh-CN" sz="2400" b="1" dirty="0" smtClean="0">
-              <a:latin typeface="Arial" charset="0"/>
-              <a:ea typeface="Arial" charset="0"/>
-              <a:cs typeface="Arial" charset="0"/>
-            </a:endParaRPr>
-          </a:p>
-          <a:p>
-            <a:endParaRPr kumimoji="1" lang="en-US" altLang="zh-CN" sz="2400" b="1" dirty="0" smtClean="0">
-              <a:latin typeface="Arial" charset="0"/>
-              <a:ea typeface="Arial" charset="0"/>
-              <a:cs typeface="Arial" charset="0"/>
-            </a:endParaRPr>
+              <a:t>Learning </a:t>
+            </a:r>
+            <a:r>
+              <a:rPr kumimoji="1" lang="en-US" altLang="zh-CN" sz="2400" dirty="0" smtClean="0">
+                <a:latin typeface="Arial" charset="0"/>
+                <a:ea typeface="Arial" charset="0"/>
+                <a:cs typeface="Arial" charset="0"/>
+              </a:rPr>
+              <a:t>rate </a:t>
+            </a:r>
           </a:p>
           <a:p>
             <a:pPr marL="342900" indent="-342900">
@@ -3455,21 +3454,7 @@
               <a:buChar char="•"/>
             </a:pPr>
             <a:r>
-              <a:rPr kumimoji="1" lang="en-US" altLang="zh-CN" sz="2400" b="1" dirty="0" smtClean="0">
-                <a:latin typeface="Arial" charset="0"/>
-                <a:ea typeface="Arial" charset="0"/>
-                <a:cs typeface="Arial" charset="0"/>
-              </a:rPr>
-              <a:t>Learning rate </a:t>
-            </a:r>
-          </a:p>
-          <a:p>
-            <a:pPr marL="342900" indent="-342900">
-              <a:buFont typeface="Arial" charset="0"/>
-              <a:buChar char="•"/>
-            </a:pPr>
-            <a:r>
-              <a:rPr kumimoji="1" lang="en-US" altLang="zh-CN" sz="2400" b="1" dirty="0" smtClean="0">
+              <a:rPr kumimoji="1" lang="en-US" altLang="zh-CN" sz="2400" dirty="0" smtClean="0">
                 <a:latin typeface="Arial" charset="0"/>
                 <a:ea typeface="Arial" charset="0"/>
                 <a:cs typeface="Arial" charset="0"/>
@@ -3483,14 +3468,14 @@
               <a:buChar char="•"/>
             </a:pPr>
             <a:r>
-              <a:rPr kumimoji="1" lang="en-US" altLang="zh-CN" sz="2400" b="1" dirty="0" smtClean="0">
+              <a:rPr kumimoji="1" lang="en-US" altLang="zh-CN" sz="2400" dirty="0" smtClean="0">
                 <a:latin typeface="Arial" charset="0"/>
                 <a:ea typeface="Arial" charset="0"/>
                 <a:cs typeface="Arial" charset="0"/>
               </a:rPr>
               <a:t>Number of epochs</a:t>
             </a:r>
-            <a:endParaRPr kumimoji="1" lang="en-US" altLang="zh-CN" sz="2400" b="1" dirty="0">
+            <a:endParaRPr kumimoji="1" lang="en-US" altLang="zh-CN" sz="2400" dirty="0">
               <a:latin typeface="Arial" charset="0"/>
               <a:ea typeface="Arial" charset="0"/>
               <a:cs typeface="Arial" charset="0"/>
@@ -3502,7 +3487,7 @@
               <a:buChar char="•"/>
             </a:pPr>
             <a:r>
-              <a:rPr kumimoji="1" lang="en-US" altLang="zh-CN" sz="2400" b="1" dirty="0" smtClean="0">
+              <a:rPr kumimoji="1" lang="en-US" altLang="zh-CN" sz="2400" dirty="0" smtClean="0">
                 <a:latin typeface="Arial" charset="0"/>
                 <a:ea typeface="Arial" charset="0"/>
                 <a:cs typeface="Arial" charset="0"/>
@@ -3510,14 +3495,14 @@
               <a:t>Sampling ratio</a:t>
             </a:r>
             <a:r>
-              <a:rPr kumimoji="1" lang="zh-CN" altLang="en-US" sz="2400" b="1" dirty="0" smtClean="0">
+              <a:rPr kumimoji="1" lang="zh-CN" altLang="en-US" sz="2400" dirty="0" smtClean="0">
                 <a:latin typeface="Arial" charset="0"/>
                 <a:ea typeface="Arial" charset="0"/>
                 <a:cs typeface="Arial" charset="0"/>
               </a:rPr>
               <a:t>  </a:t>
             </a:r>
-            <a:endParaRPr kumimoji="1" lang="zh-CN" altLang="en-US" sz="1600" b="1" dirty="0">
+            <a:endParaRPr kumimoji="1" lang="zh-CN" altLang="en-US" sz="1600" dirty="0">
               <a:latin typeface="Arial" charset="0"/>
               <a:ea typeface="Arial" charset="0"/>
               <a:cs typeface="Arial" charset="0"/>
@@ -3533,8 +3518,8 @@
         </p:nvSpPr>
         <p:spPr>
           <a:xfrm>
-            <a:off x="8999655" y="890333"/>
-            <a:ext cx="2556041" cy="461665"/>
+            <a:off x="8917200" y="3030455"/>
+            <a:ext cx="2556041" cy="830997"/>
           </a:xfrm>
           <a:prstGeom prst="rect">
             <a:avLst/>
@@ -3547,8 +3532,9 @@
           </a:bodyPr>
           <a:lstStyle/>
           <a:p>
-            <a:r>
-              <a:rPr kumimoji="1" lang="en-US" altLang="zh-CN" sz="2400" b="1" dirty="0">
+            <a:pPr algn="ctr"/>
+            <a:r>
+              <a:rPr kumimoji="1" lang="en-US" altLang="zh-CN" sz="2400" dirty="0">
                 <a:latin typeface="Arial" charset="0"/>
                 <a:ea typeface="Arial" charset="0"/>
                 <a:cs typeface="Arial" charset="0"/>
@@ -3556,7 +3542,7 @@
               <a:t>T</a:t>
             </a:r>
             <a:r>
-              <a:rPr kumimoji="1" lang="en-US" altLang="zh-CN" sz="2400" b="1" dirty="0" smtClean="0">
+              <a:rPr kumimoji="1" lang="en-US" altLang="zh-CN" sz="2400" dirty="0" smtClean="0">
                 <a:latin typeface="Arial" charset="0"/>
                 <a:ea typeface="Arial" charset="0"/>
                 <a:cs typeface="Arial" charset="0"/>
@@ -3564,22 +3550,30 @@
               <a:t>est</a:t>
             </a:r>
             <a:r>
-              <a:rPr kumimoji="1" lang="zh-CN" altLang="en-US" sz="2400" b="1" dirty="0" smtClean="0">
+              <a:rPr kumimoji="1" lang="zh-CN" altLang="en-US" sz="2400" dirty="0" smtClean="0">
                 <a:latin typeface="Arial" charset="0"/>
                 <a:ea typeface="Arial" charset="0"/>
                 <a:cs typeface="Arial" charset="0"/>
               </a:rPr>
               <a:t> </a:t>
             </a:r>
-            <a:r>
-              <a:rPr kumimoji="1" lang="en-US" altLang="zh-CN" sz="2400" b="1" dirty="0" smtClean="0">
+            <a:endParaRPr kumimoji="1" lang="en-US" altLang="zh-CN" sz="2400" dirty="0" smtClean="0">
+              <a:latin typeface="Arial" charset="0"/>
+              <a:ea typeface="Arial" charset="0"/>
+              <a:cs typeface="Arial" charset="0"/>
+            </a:endParaRPr>
+          </a:p>
+          <a:p>
+            <a:pPr algn="ctr"/>
+            <a:r>
+              <a:rPr kumimoji="1" lang="en-US" altLang="zh-CN" sz="2400" dirty="0" smtClean="0">
                 <a:latin typeface="Arial" charset="0"/>
                 <a:ea typeface="Arial" charset="0"/>
                 <a:cs typeface="Arial" charset="0"/>
               </a:rPr>
               <a:t>accuracy</a:t>
             </a:r>
-            <a:endParaRPr kumimoji="1" lang="en-US" altLang="zh-CN" sz="2400" b="1" dirty="0">
+            <a:endParaRPr kumimoji="1" lang="en-US" altLang="zh-CN" sz="2400" dirty="0">
               <a:latin typeface="Arial" charset="0"/>
               <a:ea typeface="Arial" charset="0"/>
               <a:cs typeface="Arial" charset="0"/>
@@ -3595,7 +3589,7 @@
         </p:nvGrpSpPr>
         <p:grpSpPr>
           <a:xfrm>
-            <a:off x="1845679" y="4941222"/>
+            <a:off x="1360658" y="6996424"/>
             <a:ext cx="8566322" cy="1407820"/>
             <a:chOff x="1340767" y="4751417"/>
             <a:chExt cx="9996100" cy="1641608"/>
@@ -3753,8 +3747,8 @@
         </p:nvSpPr>
         <p:spPr>
           <a:xfrm flipV="1">
-            <a:off x="1557457" y="3246589"/>
-            <a:ext cx="1555371" cy="1358377"/>
+            <a:off x="1275382" y="4895864"/>
+            <a:ext cx="1065907" cy="1164968"/>
           </a:xfrm>
           <a:prstGeom prst="bentArrow">
             <a:avLst/>
@@ -3789,14 +3783,61 @@
       </p:sp>
       <p:sp>
         <p:nvSpPr>
-          <p:cNvPr id="33" name="Rechteckiger Pfeil 32"/>
+          <p:cNvPr id="15" name="Rechteckiger Pfeil 14"/>
           <p:cNvSpPr/>
           <p:nvPr/>
         </p:nvSpPr>
         <p:spPr>
+          <a:xfrm rot="16200000" flipH="1">
+            <a:off x="1179516" y="1069397"/>
+            <a:ext cx="1176991" cy="985259"/>
+          </a:xfrm>
+          <a:prstGeom prst="bentArrow">
+            <a:avLst>
+              <a:gd name="adj1" fmla="val 25000"/>
+              <a:gd name="adj2" fmla="val 24185"/>
+              <a:gd name="adj3" fmla="val 25000"/>
+              <a:gd name="adj4" fmla="val 43750"/>
+            </a:avLst>
+          </a:prstGeom>
+        </p:spPr>
+        <p:style>
+          <a:lnRef idx="2">
+            <a:schemeClr val="accent6"/>
+          </a:lnRef>
+          <a:fillRef idx="1">
+            <a:schemeClr val="lt1"/>
+          </a:fillRef>
+          <a:effectRef idx="0">
+            <a:schemeClr val="accent6"/>
+          </a:effectRef>
+          <a:fontRef idx="minor">
+            <a:schemeClr val="dk1"/>
+          </a:fontRef>
+        </p:style>
+        <p:txBody>
+          <a:bodyPr rtlCol="0" anchor="ctr"/>
+          <a:lstStyle/>
+          <a:p>
+            <a:pPr algn="ctr"/>
+            <a:endParaRPr lang="de-DE">
+              <a:solidFill>
+                <a:schemeClr val="tx1"/>
+              </a:solidFill>
+            </a:endParaRPr>
+          </a:p>
+        </p:txBody>
+      </p:sp>
+      <p:sp>
+        <p:nvSpPr>
+          <p:cNvPr id="16" name="Rechteckiger Pfeil 15"/>
+          <p:cNvSpPr/>
+          <p:nvPr/>
+        </p:nvSpPr>
+        <p:spPr>
           <a:xfrm rot="16200000" flipV="1">
-            <a:off x="9499989" y="3148092"/>
-            <a:ext cx="1555371" cy="1358377"/>
+            <a:off x="9976508" y="4895863"/>
+            <a:ext cx="1065907" cy="1164968"/>
           </a:xfrm>
           <a:prstGeom prst="bentArrow">
             <a:avLst/>
@@ -3829,19 +3870,53 @@
           </a:p>
         </p:txBody>
       </p:sp>
-      <p:sp>
-        <p:nvSpPr>
-          <p:cNvPr id="18" name="Pfeil nach rechts 17"/>
+      <p:pic>
+        <p:nvPicPr>
+          <p:cNvPr id="2" name="Bild 1"/>
+          <p:cNvPicPr>
+            <a:picLocks noChangeAspect="1"/>
+          </p:cNvPicPr>
+          <p:nvPr/>
+        </p:nvPicPr>
+        <p:blipFill rotWithShape="1">
+          <a:blip r:embed="rId5">
+            <a:extLst>
+              <a:ext uri="{28A0092B-C50C-407E-A947-70E740481C1C}">
+                <a14:useLocalDpi xmlns:a14="http://schemas.microsoft.com/office/drawing/2010/main" val="0"/>
+              </a:ext>
+            </a:extLst>
+          </a:blip>
+          <a:srcRect t="1247" b="13694"/>
+          <a:stretch/>
+        </p:blipFill>
+        <p:spPr>
+          <a:xfrm>
+            <a:off x="2412328" y="5193657"/>
+            <a:ext cx="7443611" cy="1049557"/>
+          </a:xfrm>
+          <a:prstGeom prst="rect">
+            <a:avLst/>
+          </a:prstGeom>
+        </p:spPr>
+      </p:pic>
+      <p:sp>
+        <p:nvSpPr>
+          <p:cNvPr id="19" name="Rechteckiger Pfeil 18"/>
           <p:cNvSpPr/>
           <p:nvPr/>
         </p:nvSpPr>
         <p:spPr>
           <a:xfrm flipH="1">
-            <a:off x="7874146" y="896913"/>
-            <a:ext cx="733451" cy="544366"/>
+            <a:off x="9792658" y="885388"/>
+            <a:ext cx="1176991" cy="985259"/>
           </a:xfrm>
-          <a:prstGeom prst="rightArrow">
-            <a:avLst/>
+          <a:prstGeom prst="bentArrow">
+            <a:avLst>
+              <a:gd name="adj1" fmla="val 25000"/>
+              <a:gd name="adj2" fmla="val 24185"/>
+              <a:gd name="adj3" fmla="val 25000"/>
+              <a:gd name="adj4" fmla="val 43750"/>
+            </a:avLst>
           </a:prstGeom>
         </p:spPr>
         <p:style>
@@ -3863,45 +3938,11 @@
           <a:lstStyle/>
           <a:p>
             <a:pPr algn="ctr"/>
-            <a:endParaRPr lang="de-DE"/>
-          </a:p>
-        </p:txBody>
-      </p:sp>
-      <p:sp>
-        <p:nvSpPr>
-          <p:cNvPr id="36" name="Pfeil nach rechts 35"/>
-          <p:cNvSpPr/>
-          <p:nvPr/>
-        </p:nvSpPr>
-        <p:spPr>
-          <a:xfrm flipH="1">
-            <a:off x="3134885" y="890333"/>
-            <a:ext cx="808840" cy="544366"/>
-          </a:xfrm>
-          <a:prstGeom prst="rightArrow">
-            <a:avLst/>
-          </a:prstGeom>
-        </p:spPr>
-        <p:style>
-          <a:lnRef idx="2">
-            <a:schemeClr val="accent6"/>
-          </a:lnRef>
-          <a:fillRef idx="1">
-            <a:schemeClr val="lt1"/>
-          </a:fillRef>
-          <a:effectRef idx="0">
-            <a:schemeClr val="accent6"/>
-          </a:effectRef>
-          <a:fontRef idx="minor">
-            <a:schemeClr val="dk1"/>
-          </a:fontRef>
-        </p:style>
-        <p:txBody>
-          <a:bodyPr rtlCol="0" anchor="ctr"/>
-          <a:lstStyle/>
-          <a:p>
-            <a:pPr algn="ctr"/>
-            <a:endParaRPr lang="de-DE"/>
+            <a:endParaRPr lang="de-DE">
+              <a:solidFill>
+                <a:schemeClr val="tx1"/>
+              </a:solidFill>
+            </a:endParaRPr>
           </a:p>
         </p:txBody>
       </p:sp>

--- a/doc/poster/assets/densenet.pptx
+++ b/doc/poster/assets/densenet.pptx
@@ -5,11 +5,10 @@
     <p:sldMasterId id="2147483648" r:id="rId1"/>
   </p:sldMasterIdLst>
   <p:notesMasterIdLst>
-    <p:notesMasterId r:id="rId4"/>
+    <p:notesMasterId r:id="rId3"/>
   </p:notesMasterIdLst>
   <p:sldIdLst>
     <p:sldId id="257" r:id="rId2"/>
-    <p:sldId id="258" r:id="rId3"/>
   </p:sldIdLst>
   <p:sldSz cx="12192000" cy="6858000"/>
   <p:notesSz cx="6858000" cy="9144000"/>
@@ -198,7 +197,7 @@
           <a:p>
             <a:fld id="{B379A219-34CA-B246-9E50-5DF015790CEC}" type="datetimeFigureOut">
               <a:rPr kumimoji="1" lang="zh-CN" altLang="en-US" smtClean="0"/>
-              <a:t>2018/2/5</a:t>
+              <a:t>2018/2/4</a:t>
             </a:fld>
             <a:endParaRPr kumimoji="1" lang="zh-CN" altLang="en-US"/>
           </a:p>
@@ -357,7 +356,7 @@
           <a:p>
             <a:fld id="{9D2FBD79-D891-6343-956E-264B9A763D76}" type="slidenum">
               <a:rPr kumimoji="1" lang="zh-CN" altLang="en-US" smtClean="0"/>
-              <a:t>‹Nr.›</a:t>
+              <a:t>‹#›</a:t>
             </a:fld>
             <a:endParaRPr kumimoji="1" lang="zh-CN" altLang="en-US"/>
           </a:p>
@@ -597,7 +596,7 @@
           <a:p>
             <a:fld id="{CB363CDB-3585-0043-97DF-0B1A74A3C264}" type="datetimeFigureOut">
               <a:rPr kumimoji="1" lang="zh-CN" altLang="en-US" smtClean="0"/>
-              <a:t>2018/2/5</a:t>
+              <a:t>2018/2/4</a:t>
             </a:fld>
             <a:endParaRPr kumimoji="1" lang="zh-CN" altLang="en-US"/>
           </a:p>
@@ -639,7 +638,7 @@
           <a:p>
             <a:fld id="{730FB26A-D5C2-ED47-8A55-0CEAA7925605}" type="slidenum">
               <a:rPr kumimoji="1" lang="zh-CN" altLang="en-US" smtClean="0"/>
-              <a:t>‹Nr.›</a:t>
+              <a:t>‹#›</a:t>
             </a:fld>
             <a:endParaRPr kumimoji="1" lang="zh-CN" altLang="en-US"/>
           </a:p>
@@ -767,7 +766,7 @@
           <a:p>
             <a:fld id="{CB363CDB-3585-0043-97DF-0B1A74A3C264}" type="datetimeFigureOut">
               <a:rPr kumimoji="1" lang="zh-CN" altLang="en-US" smtClean="0"/>
-              <a:t>2018/2/5</a:t>
+              <a:t>2018/2/4</a:t>
             </a:fld>
             <a:endParaRPr kumimoji="1" lang="zh-CN" altLang="en-US"/>
           </a:p>
@@ -809,7 +808,7 @@
           <a:p>
             <a:fld id="{730FB26A-D5C2-ED47-8A55-0CEAA7925605}" type="slidenum">
               <a:rPr kumimoji="1" lang="zh-CN" altLang="en-US" smtClean="0"/>
-              <a:t>‹Nr.›</a:t>
+              <a:t>‹#›</a:t>
             </a:fld>
             <a:endParaRPr kumimoji="1" lang="zh-CN" altLang="en-US"/>
           </a:p>
@@ -947,7 +946,7 @@
           <a:p>
             <a:fld id="{CB363CDB-3585-0043-97DF-0B1A74A3C264}" type="datetimeFigureOut">
               <a:rPr kumimoji="1" lang="zh-CN" altLang="en-US" smtClean="0"/>
-              <a:t>2018/2/5</a:t>
+              <a:t>2018/2/4</a:t>
             </a:fld>
             <a:endParaRPr kumimoji="1" lang="zh-CN" altLang="en-US"/>
           </a:p>
@@ -989,7 +988,7 @@
           <a:p>
             <a:fld id="{730FB26A-D5C2-ED47-8A55-0CEAA7925605}" type="slidenum">
               <a:rPr kumimoji="1" lang="zh-CN" altLang="en-US" smtClean="0"/>
-              <a:t>‹Nr.›</a:t>
+              <a:t>‹#›</a:t>
             </a:fld>
             <a:endParaRPr kumimoji="1" lang="zh-CN" altLang="en-US"/>
           </a:p>
@@ -1117,7 +1116,7 @@
           <a:p>
             <a:fld id="{CB363CDB-3585-0043-97DF-0B1A74A3C264}" type="datetimeFigureOut">
               <a:rPr kumimoji="1" lang="zh-CN" altLang="en-US" smtClean="0"/>
-              <a:t>2018/2/5</a:t>
+              <a:t>2018/2/4</a:t>
             </a:fld>
             <a:endParaRPr kumimoji="1" lang="zh-CN" altLang="en-US"/>
           </a:p>
@@ -1159,7 +1158,7 @@
           <a:p>
             <a:fld id="{730FB26A-D5C2-ED47-8A55-0CEAA7925605}" type="slidenum">
               <a:rPr kumimoji="1" lang="zh-CN" altLang="en-US" smtClean="0"/>
-              <a:t>‹Nr.›</a:t>
+              <a:t>‹#›</a:t>
             </a:fld>
             <a:endParaRPr kumimoji="1" lang="zh-CN" altLang="en-US"/>
           </a:p>
@@ -1363,7 +1362,7 @@
           <a:p>
             <a:fld id="{CB363CDB-3585-0043-97DF-0B1A74A3C264}" type="datetimeFigureOut">
               <a:rPr kumimoji="1" lang="zh-CN" altLang="en-US" smtClean="0"/>
-              <a:t>2018/2/5</a:t>
+              <a:t>2018/2/4</a:t>
             </a:fld>
             <a:endParaRPr kumimoji="1" lang="zh-CN" altLang="en-US"/>
           </a:p>
@@ -1405,7 +1404,7 @@
           <a:p>
             <a:fld id="{730FB26A-D5C2-ED47-8A55-0CEAA7925605}" type="slidenum">
               <a:rPr kumimoji="1" lang="zh-CN" altLang="en-US" smtClean="0"/>
-              <a:t>‹Nr.›</a:t>
+              <a:t>‹#›</a:t>
             </a:fld>
             <a:endParaRPr kumimoji="1" lang="zh-CN" altLang="en-US"/>
           </a:p>
@@ -1595,7 +1594,7 @@
           <a:p>
             <a:fld id="{CB363CDB-3585-0043-97DF-0B1A74A3C264}" type="datetimeFigureOut">
               <a:rPr kumimoji="1" lang="zh-CN" altLang="en-US" smtClean="0"/>
-              <a:t>2018/2/5</a:t>
+              <a:t>2018/2/4</a:t>
             </a:fld>
             <a:endParaRPr kumimoji="1" lang="zh-CN" altLang="en-US"/>
           </a:p>
@@ -1637,7 +1636,7 @@
           <a:p>
             <a:fld id="{730FB26A-D5C2-ED47-8A55-0CEAA7925605}" type="slidenum">
               <a:rPr kumimoji="1" lang="zh-CN" altLang="en-US" smtClean="0"/>
-              <a:t>‹Nr.›</a:t>
+              <a:t>‹#›</a:t>
             </a:fld>
             <a:endParaRPr kumimoji="1" lang="zh-CN" altLang="en-US"/>
           </a:p>
@@ -1962,7 +1961,7 @@
           <a:p>
             <a:fld id="{CB363CDB-3585-0043-97DF-0B1A74A3C264}" type="datetimeFigureOut">
               <a:rPr kumimoji="1" lang="zh-CN" altLang="en-US" smtClean="0"/>
-              <a:t>2018/2/5</a:t>
+              <a:t>2018/2/4</a:t>
             </a:fld>
             <a:endParaRPr kumimoji="1" lang="zh-CN" altLang="en-US"/>
           </a:p>
@@ -2004,7 +2003,7 @@
           <a:p>
             <a:fld id="{730FB26A-D5C2-ED47-8A55-0CEAA7925605}" type="slidenum">
               <a:rPr kumimoji="1" lang="zh-CN" altLang="en-US" smtClean="0"/>
-              <a:t>‹Nr.›</a:t>
+              <a:t>‹#›</a:t>
             </a:fld>
             <a:endParaRPr kumimoji="1" lang="zh-CN" altLang="en-US"/>
           </a:p>
@@ -2080,7 +2079,7 @@
           <a:p>
             <a:fld id="{CB363CDB-3585-0043-97DF-0B1A74A3C264}" type="datetimeFigureOut">
               <a:rPr kumimoji="1" lang="zh-CN" altLang="en-US" smtClean="0"/>
-              <a:t>2018/2/5</a:t>
+              <a:t>2018/2/4</a:t>
             </a:fld>
             <a:endParaRPr kumimoji="1" lang="zh-CN" altLang="en-US"/>
           </a:p>
@@ -2122,7 +2121,7 @@
           <a:p>
             <a:fld id="{730FB26A-D5C2-ED47-8A55-0CEAA7925605}" type="slidenum">
               <a:rPr kumimoji="1" lang="zh-CN" altLang="en-US" smtClean="0"/>
-              <a:t>‹Nr.›</a:t>
+              <a:t>‹#›</a:t>
             </a:fld>
             <a:endParaRPr kumimoji="1" lang="zh-CN" altLang="en-US"/>
           </a:p>
@@ -2175,7 +2174,7 @@
           <a:p>
             <a:fld id="{CB363CDB-3585-0043-97DF-0B1A74A3C264}" type="datetimeFigureOut">
               <a:rPr kumimoji="1" lang="zh-CN" altLang="en-US" smtClean="0"/>
-              <a:t>2018/2/5</a:t>
+              <a:t>2018/2/4</a:t>
             </a:fld>
             <a:endParaRPr kumimoji="1" lang="zh-CN" altLang="en-US"/>
           </a:p>
@@ -2217,7 +2216,7 @@
           <a:p>
             <a:fld id="{730FB26A-D5C2-ED47-8A55-0CEAA7925605}" type="slidenum">
               <a:rPr kumimoji="1" lang="zh-CN" altLang="en-US" smtClean="0"/>
-              <a:t>‹Nr.›</a:t>
+              <a:t>‹#›</a:t>
             </a:fld>
             <a:endParaRPr kumimoji="1" lang="zh-CN" altLang="en-US"/>
           </a:p>
@@ -2452,7 +2451,7 @@
           <a:p>
             <a:fld id="{CB363CDB-3585-0043-97DF-0B1A74A3C264}" type="datetimeFigureOut">
               <a:rPr kumimoji="1" lang="zh-CN" altLang="en-US" smtClean="0"/>
-              <a:t>2018/2/5</a:t>
+              <a:t>2018/2/4</a:t>
             </a:fld>
             <a:endParaRPr kumimoji="1" lang="zh-CN" altLang="en-US"/>
           </a:p>
@@ -2494,7 +2493,7 @@
           <a:p>
             <a:fld id="{730FB26A-D5C2-ED47-8A55-0CEAA7925605}" type="slidenum">
               <a:rPr kumimoji="1" lang="zh-CN" altLang="en-US" smtClean="0"/>
-              <a:t>‹Nr.›</a:t>
+              <a:t>‹#›</a:t>
             </a:fld>
             <a:endParaRPr kumimoji="1" lang="zh-CN" altLang="en-US"/>
           </a:p>
@@ -2705,7 +2704,7 @@
           <a:p>
             <a:fld id="{CB363CDB-3585-0043-97DF-0B1A74A3C264}" type="datetimeFigureOut">
               <a:rPr kumimoji="1" lang="zh-CN" altLang="en-US" smtClean="0"/>
-              <a:t>2018/2/5</a:t>
+              <a:t>2018/2/4</a:t>
             </a:fld>
             <a:endParaRPr kumimoji="1" lang="zh-CN" altLang="en-US"/>
           </a:p>
@@ -2747,7 +2746,7 @@
           <a:p>
             <a:fld id="{730FB26A-D5C2-ED47-8A55-0CEAA7925605}" type="slidenum">
               <a:rPr kumimoji="1" lang="zh-CN" altLang="en-US" smtClean="0"/>
-              <a:t>‹Nr.›</a:t>
+              <a:t>‹#›</a:t>
             </a:fld>
             <a:endParaRPr kumimoji="1" lang="zh-CN" altLang="en-US"/>
           </a:p>
@@ -2918,7 +2917,7 @@
           <a:p>
             <a:fld id="{CB363CDB-3585-0043-97DF-0B1A74A3C264}" type="datetimeFigureOut">
               <a:rPr kumimoji="1" lang="zh-CN" altLang="en-US" smtClean="0"/>
-              <a:t>2018/2/5</a:t>
+              <a:t>2018/2/4</a:t>
             </a:fld>
             <a:endParaRPr kumimoji="1" lang="zh-CN" altLang="en-US"/>
           </a:p>
@@ -2996,7 +2995,7 @@
           <a:p>
             <a:fld id="{730FB26A-D5C2-ED47-8A55-0CEAA7925605}" type="slidenum">
               <a:rPr kumimoji="1" lang="zh-CN" altLang="en-US" smtClean="0"/>
-              <a:t>‹Nr.›</a:t>
+              <a:t>‹#›</a:t>
             </a:fld>
             <a:endParaRPr kumimoji="1" lang="zh-CN" altLang="en-US"/>
           </a:p>
@@ -3323,6 +3322,76 @@
           <a:chExt cx="0" cy="0"/>
         </a:xfrm>
       </p:grpSpPr>
+      <p:sp>
+        <p:nvSpPr>
+          <p:cNvPr id="80" name="矩形 79"/>
+          <p:cNvSpPr/>
+          <p:nvPr/>
+        </p:nvSpPr>
+        <p:spPr>
+          <a:xfrm>
+            <a:off x="-2362200" y="-1633870"/>
+            <a:ext cx="16418442" cy="8763000"/>
+          </a:xfrm>
+          <a:prstGeom prst="rect">
+            <a:avLst/>
+          </a:prstGeom>
+          <a:solidFill>
+            <a:schemeClr val="bg1"/>
+          </a:solidFill>
+          <a:ln>
+            <a:noFill/>
+          </a:ln>
+        </p:spPr>
+        <p:style>
+          <a:lnRef idx="2">
+            <a:schemeClr val="accent1">
+              <a:shade val="50000"/>
+            </a:schemeClr>
+          </a:lnRef>
+          <a:fillRef idx="1">
+            <a:schemeClr val="accent1"/>
+          </a:fillRef>
+          <a:effectRef idx="0">
+            <a:schemeClr val="accent1"/>
+          </a:effectRef>
+          <a:fontRef idx="minor">
+            <a:schemeClr val="lt1"/>
+          </a:fontRef>
+        </p:style>
+        <p:txBody>
+          <a:bodyPr rtlCol="0" anchor="ctr"/>
+          <a:lstStyle/>
+          <a:p>
+            <a:pPr algn="ctr"/>
+            <a:endParaRPr kumimoji="1" lang="zh-CN" altLang="en-US"/>
+          </a:p>
+        </p:txBody>
+      </p:sp>
+      <p:sp>
+        <p:nvSpPr>
+          <p:cNvPr id="2" name="标题 1"/>
+          <p:cNvSpPr>
+            <a:spLocks noGrp="1"/>
+          </p:cNvSpPr>
+          <p:nvPr>
+            <p:ph type="title"/>
+          </p:nvPr>
+        </p:nvSpPr>
+        <p:spPr>
+          <a:xfrm>
+            <a:off x="838200" y="407655"/>
+            <a:ext cx="10515600" cy="1325563"/>
+          </a:xfrm>
+        </p:spPr>
+        <p:txBody>
+          <a:bodyPr/>
+          <a:lstStyle/>
+          <a:p>
+            <a:endParaRPr kumimoji="1" lang="zh-CN" altLang="en-US" dirty="0"/>
+          </a:p>
+        </p:txBody>
+      </p:sp>
       <p:pic>
         <p:nvPicPr>
           <p:cNvPr id="4" name="内容占位符 3"/>
@@ -3333,7 +3402,7 @@
             <p:ph idx="1"/>
           </p:nvPr>
         </p:nvPicPr>
-        <p:blipFill rotWithShape="1">
+        <p:blipFill>
           <a:blip r:embed="rId2">
             <a:extLst>
               <a:ext uri="{28A0092B-C50C-407E-A947-70E740481C1C}">
@@ -3341,596 +3410,184 @@
               </a:ext>
             </a:extLst>
           </a:blip>
-          <a:srcRect b="4370"/>
-          <a:stretch/>
+          <a:stretch>
+            <a:fillRect/>
+          </a:stretch>
         </p:blipFill>
         <p:spPr>
           <a:xfrm>
-            <a:off x="3218963" y="1888781"/>
-            <a:ext cx="5642467" cy="3306723"/>
+            <a:off x="3486150" y="173764"/>
+            <a:ext cx="5397500" cy="3975100"/>
           </a:xfrm>
         </p:spPr>
       </p:pic>
-      <p:sp>
-        <p:nvSpPr>
-          <p:cNvPr id="50" name="文本框 49"/>
-          <p:cNvSpPr txBox="1"/>
-          <p:nvPr/>
-        </p:nvSpPr>
-        <p:spPr>
-          <a:xfrm>
-            <a:off x="4220023" y="973530"/>
-            <a:ext cx="3640347" cy="461665"/>
-          </a:xfrm>
-          <a:prstGeom prst="rect">
-            <a:avLst/>
-          </a:prstGeom>
-          <a:noFill/>
-        </p:spPr>
-        <p:txBody>
-          <a:bodyPr wrap="square" rtlCol="0">
-            <a:spAutoFit/>
-          </a:bodyPr>
-          <a:lstStyle/>
-          <a:p>
-            <a:r>
-              <a:rPr kumimoji="1" lang="en-US" altLang="zh-CN" sz="2400" dirty="0">
-                <a:latin typeface="Arial" charset="0"/>
-                <a:ea typeface="Arial" charset="0"/>
-                <a:cs typeface="Arial" charset="0"/>
-              </a:rPr>
-              <a:t>Bayesian</a:t>
-            </a:r>
-            <a:r>
-              <a:rPr kumimoji="1" lang="zh-CN" altLang="en-US" sz="2400" dirty="0">
-                <a:latin typeface="Arial" charset="0"/>
-                <a:ea typeface="Arial" charset="0"/>
-                <a:cs typeface="Arial" charset="0"/>
-              </a:rPr>
-              <a:t> </a:t>
-            </a:r>
-            <a:r>
-              <a:rPr kumimoji="1" lang="en-US" altLang="zh-CN" sz="2400" dirty="0" smtClean="0">
-                <a:latin typeface="Arial" charset="0"/>
-                <a:ea typeface="Arial" charset="0"/>
-                <a:cs typeface="Arial" charset="0"/>
-              </a:rPr>
-              <a:t>Optimization</a:t>
-            </a:r>
-            <a:endParaRPr kumimoji="1" lang="zh-CN" altLang="en-US" sz="2400" dirty="0">
-              <a:latin typeface="Arial" charset="0"/>
-              <a:ea typeface="Arial" charset="0"/>
-              <a:cs typeface="Arial" charset="0"/>
-            </a:endParaRPr>
-          </a:p>
-        </p:txBody>
-      </p:sp>
-      <p:sp>
-        <p:nvSpPr>
-          <p:cNvPr id="51" name="文本框 50"/>
-          <p:cNvSpPr txBox="1"/>
-          <p:nvPr/>
-        </p:nvSpPr>
-        <p:spPr>
-          <a:xfrm>
-            <a:off x="610320" y="2870788"/>
-            <a:ext cx="3461938" cy="1569660"/>
-          </a:xfrm>
-          <a:prstGeom prst="rect">
-            <a:avLst/>
-          </a:prstGeom>
-          <a:noFill/>
-        </p:spPr>
-        <p:txBody>
-          <a:bodyPr wrap="square" rtlCol="0">
-            <a:spAutoFit/>
-          </a:bodyPr>
-          <a:lstStyle/>
-          <a:p>
-            <a:pPr marL="342900" indent="-342900">
-              <a:buFont typeface="Arial" charset="0"/>
-              <a:buChar char="•"/>
-            </a:pPr>
-            <a:r>
-              <a:rPr kumimoji="1" lang="en-US" altLang="zh-CN" sz="2400" dirty="0" smtClean="0">
-                <a:latin typeface="Arial" charset="0"/>
-                <a:ea typeface="Arial" charset="0"/>
-                <a:cs typeface="Arial" charset="0"/>
-              </a:rPr>
-              <a:t>Learning </a:t>
-            </a:r>
-            <a:r>
-              <a:rPr kumimoji="1" lang="en-US" altLang="zh-CN" sz="2400" dirty="0" smtClean="0">
-                <a:latin typeface="Arial" charset="0"/>
-                <a:ea typeface="Arial" charset="0"/>
-                <a:cs typeface="Arial" charset="0"/>
-              </a:rPr>
-              <a:t>rate </a:t>
-            </a:r>
-          </a:p>
-          <a:p>
-            <a:pPr marL="342900" indent="-342900">
-              <a:buFont typeface="Arial" charset="0"/>
-              <a:buChar char="•"/>
-            </a:pPr>
-            <a:r>
-              <a:rPr kumimoji="1" lang="en-US" altLang="zh-CN" sz="2400" dirty="0" smtClean="0">
-                <a:latin typeface="Arial" charset="0"/>
-                <a:ea typeface="Arial" charset="0"/>
-                <a:cs typeface="Arial" charset="0"/>
-              </a:rPr>
-              <a:t>Weight decay</a:t>
-            </a:r>
-          </a:p>
-          <a:p>
-            <a:pPr marL="342900" indent="-342900">
-              <a:buFont typeface="Arial" charset="0"/>
-              <a:buChar char="•"/>
-            </a:pPr>
-            <a:r>
-              <a:rPr kumimoji="1" lang="en-US" altLang="zh-CN" sz="2400" dirty="0" smtClean="0">
-                <a:latin typeface="Arial" charset="0"/>
-                <a:ea typeface="Arial" charset="0"/>
-                <a:cs typeface="Arial" charset="0"/>
-              </a:rPr>
-              <a:t>Number of epochs</a:t>
-            </a:r>
-            <a:endParaRPr kumimoji="1" lang="en-US" altLang="zh-CN" sz="2400" dirty="0">
-              <a:latin typeface="Arial" charset="0"/>
-              <a:ea typeface="Arial" charset="0"/>
-              <a:cs typeface="Arial" charset="0"/>
-            </a:endParaRPr>
-          </a:p>
-          <a:p>
-            <a:pPr marL="342900" indent="-342900">
-              <a:buFont typeface="Arial" charset="0"/>
-              <a:buChar char="•"/>
-            </a:pPr>
-            <a:r>
-              <a:rPr kumimoji="1" lang="en-US" altLang="zh-CN" sz="2400" dirty="0" smtClean="0">
-                <a:latin typeface="Arial" charset="0"/>
-                <a:ea typeface="Arial" charset="0"/>
-                <a:cs typeface="Arial" charset="0"/>
-              </a:rPr>
-              <a:t>Sampling ratio</a:t>
-            </a:r>
-            <a:r>
-              <a:rPr kumimoji="1" lang="zh-CN" altLang="en-US" sz="2400" dirty="0" smtClean="0">
-                <a:latin typeface="Arial" charset="0"/>
-                <a:ea typeface="Arial" charset="0"/>
-                <a:cs typeface="Arial" charset="0"/>
-              </a:rPr>
-              <a:t>  </a:t>
-            </a:r>
-            <a:endParaRPr kumimoji="1" lang="zh-CN" altLang="en-US" sz="1600" dirty="0">
-              <a:latin typeface="Arial" charset="0"/>
-              <a:ea typeface="Arial" charset="0"/>
-              <a:cs typeface="Arial" charset="0"/>
-            </a:endParaRPr>
-          </a:p>
-        </p:txBody>
-      </p:sp>
-      <p:sp>
-        <p:nvSpPr>
-          <p:cNvPr id="68" name="文本框 67"/>
-          <p:cNvSpPr txBox="1"/>
-          <p:nvPr/>
-        </p:nvSpPr>
-        <p:spPr>
-          <a:xfrm>
-            <a:off x="8917200" y="3030455"/>
-            <a:ext cx="2556041" cy="830997"/>
-          </a:xfrm>
-          <a:prstGeom prst="rect">
-            <a:avLst/>
-          </a:prstGeom>
-          <a:noFill/>
-        </p:spPr>
-        <p:txBody>
-          <a:bodyPr wrap="square" rtlCol="0">
-            <a:spAutoFit/>
-          </a:bodyPr>
-          <a:lstStyle/>
-          <a:p>
-            <a:pPr algn="ctr"/>
-            <a:r>
-              <a:rPr kumimoji="1" lang="en-US" altLang="zh-CN" sz="2400" dirty="0">
-                <a:latin typeface="Arial" charset="0"/>
-                <a:ea typeface="Arial" charset="0"/>
-                <a:cs typeface="Arial" charset="0"/>
-              </a:rPr>
-              <a:t>T</a:t>
-            </a:r>
-            <a:r>
-              <a:rPr kumimoji="1" lang="en-US" altLang="zh-CN" sz="2400" dirty="0" smtClean="0">
-                <a:latin typeface="Arial" charset="0"/>
-                <a:ea typeface="Arial" charset="0"/>
-                <a:cs typeface="Arial" charset="0"/>
-              </a:rPr>
-              <a:t>est</a:t>
-            </a:r>
-            <a:r>
-              <a:rPr kumimoji="1" lang="zh-CN" altLang="en-US" sz="2400" dirty="0" smtClean="0">
-                <a:latin typeface="Arial" charset="0"/>
-                <a:ea typeface="Arial" charset="0"/>
-                <a:cs typeface="Arial" charset="0"/>
-              </a:rPr>
-              <a:t> </a:t>
-            </a:r>
-            <a:endParaRPr kumimoji="1" lang="en-US" altLang="zh-CN" sz="2400" dirty="0" smtClean="0">
-              <a:latin typeface="Arial" charset="0"/>
-              <a:ea typeface="Arial" charset="0"/>
-              <a:cs typeface="Arial" charset="0"/>
-            </a:endParaRPr>
-          </a:p>
-          <a:p>
-            <a:pPr algn="ctr"/>
-            <a:r>
-              <a:rPr kumimoji="1" lang="en-US" altLang="zh-CN" sz="2400" dirty="0" smtClean="0">
-                <a:latin typeface="Arial" charset="0"/>
-                <a:ea typeface="Arial" charset="0"/>
-                <a:cs typeface="Arial" charset="0"/>
-              </a:rPr>
-              <a:t>accuracy</a:t>
-            </a:r>
-            <a:endParaRPr kumimoji="1" lang="en-US" altLang="zh-CN" sz="2400" dirty="0">
-              <a:latin typeface="Arial" charset="0"/>
-              <a:ea typeface="Arial" charset="0"/>
-              <a:cs typeface="Arial" charset="0"/>
-            </a:endParaRPr>
-          </a:p>
-        </p:txBody>
-      </p:sp>
-      <p:grpSp>
-        <p:nvGrpSpPr>
-          <p:cNvPr id="8" name="Gruppierung 7"/>
-          <p:cNvGrpSpPr/>
-          <p:nvPr/>
-        </p:nvGrpSpPr>
-        <p:grpSpPr>
-          <a:xfrm>
-            <a:off x="1360658" y="6996424"/>
-            <a:ext cx="8566322" cy="1407820"/>
-            <a:chOff x="1340767" y="4751417"/>
-            <a:chExt cx="9996100" cy="1641608"/>
-          </a:xfrm>
-        </p:grpSpPr>
-        <p:pic>
-          <p:nvPicPr>
-            <p:cNvPr id="21" name="图片 4"/>
-            <p:cNvPicPr>
-              <a:picLocks noChangeAspect="1"/>
-            </p:cNvPicPr>
-            <p:nvPr/>
-          </p:nvPicPr>
-          <p:blipFill rotWithShape="1">
-            <a:blip r:embed="rId3">
-              <a:extLst>
-                <a:ext uri="{28A0092B-C50C-407E-A947-70E740481C1C}">
-                  <a14:useLocalDpi xmlns:a14="http://schemas.microsoft.com/office/drawing/2010/main" val="0"/>
-                </a:ext>
-              </a:extLst>
-            </a:blip>
-            <a:srcRect l="2406" r="3264"/>
-            <a:stretch/>
-          </p:blipFill>
-          <p:spPr>
-            <a:xfrm>
-              <a:off x="1340767" y="4751417"/>
-              <a:ext cx="9996100" cy="1641608"/>
-            </a:xfrm>
-            <a:prstGeom prst="rect">
-              <a:avLst/>
-            </a:prstGeom>
-          </p:spPr>
-        </p:pic>
-        <p:pic>
-          <p:nvPicPr>
-            <p:cNvPr id="3" name="Bild 2"/>
-            <p:cNvPicPr>
-              <a:picLocks noChangeAspect="1"/>
-            </p:cNvPicPr>
-            <p:nvPr/>
-          </p:nvPicPr>
-          <p:blipFill rotWithShape="1">
-            <a:blip r:embed="rId4">
-              <a:extLst>
-                <a:ext uri="{28A0092B-C50C-407E-A947-70E740481C1C}">
-                  <a14:useLocalDpi xmlns:a14="http://schemas.microsoft.com/office/drawing/2010/main" val="0"/>
-                </a:ext>
-              </a:extLst>
-            </a:blip>
-            <a:srcRect t="6458" r="9755" b="5180"/>
-            <a:stretch/>
-          </p:blipFill>
-          <p:spPr>
-            <a:xfrm>
-              <a:off x="1468580" y="5199413"/>
-              <a:ext cx="886693" cy="861380"/>
-            </a:xfrm>
-            <a:prstGeom prst="rect">
-              <a:avLst/>
-            </a:prstGeom>
-          </p:spPr>
-        </p:pic>
-        <p:sp>
-          <p:nvSpPr>
-            <p:cNvPr id="45" name="矩形 44"/>
-            <p:cNvSpPr/>
-            <p:nvPr/>
-          </p:nvSpPr>
-          <p:spPr>
-            <a:xfrm>
-              <a:off x="10506219" y="5427434"/>
-              <a:ext cx="673906" cy="406580"/>
-            </a:xfrm>
-            <a:prstGeom prst="rect">
-              <a:avLst/>
-            </a:prstGeom>
-            <a:solidFill>
-              <a:schemeClr val="bg1"/>
-            </a:solidFill>
-            <a:ln>
-              <a:noFill/>
-            </a:ln>
-          </p:spPr>
-          <p:style>
-            <a:lnRef idx="2">
-              <a:schemeClr val="accent1">
-                <a:shade val="50000"/>
-              </a:schemeClr>
-            </a:lnRef>
-            <a:fillRef idx="1">
-              <a:schemeClr val="accent1"/>
-            </a:fillRef>
-            <a:effectRef idx="0">
-              <a:schemeClr val="accent1"/>
-            </a:effectRef>
-            <a:fontRef idx="minor">
-              <a:schemeClr val="lt1"/>
-            </a:fontRef>
-          </p:style>
-          <p:txBody>
-            <a:bodyPr rtlCol="0" anchor="ctr"/>
-            <a:lstStyle/>
-            <a:p>
-              <a:pPr algn="ctr"/>
-              <a:endParaRPr kumimoji="1" lang="zh-CN" altLang="en-US"/>
-            </a:p>
-          </p:txBody>
-        </p:sp>
-        <p:sp>
-          <p:nvSpPr>
-            <p:cNvPr id="6" name="Textfeld 5"/>
-            <p:cNvSpPr txBox="1"/>
-            <p:nvPr/>
-          </p:nvSpPr>
-          <p:spPr>
-            <a:xfrm>
-              <a:off x="10471643" y="5416141"/>
-              <a:ext cx="740100" cy="476685"/>
-            </a:xfrm>
-            <a:prstGeom prst="rect">
-              <a:avLst/>
-            </a:prstGeom>
-            <a:noFill/>
-          </p:spPr>
-          <p:txBody>
-            <a:bodyPr wrap="square" rtlCol="0">
-              <a:spAutoFit/>
-            </a:bodyPr>
-            <a:lstStyle/>
-            <a:p>
-              <a:pPr algn="ctr"/>
-              <a:r>
-                <a:rPr lang="de-DE" sz="800" b="1" dirty="0" err="1" smtClean="0"/>
-                <a:t>Disease</a:t>
-              </a:r>
-              <a:endParaRPr lang="de-DE" sz="800" b="1" dirty="0" smtClean="0"/>
-            </a:p>
-            <a:p>
-              <a:pPr algn="ctr"/>
-              <a:r>
-                <a:rPr lang="de-DE" sz="800" b="1" dirty="0" smtClean="0"/>
-                <a:t>type</a:t>
-              </a:r>
-              <a:endParaRPr lang="de-DE" sz="800" b="1" dirty="0"/>
-            </a:p>
-          </p:txBody>
-        </p:sp>
-      </p:grpSp>
-      <p:sp>
-        <p:nvSpPr>
-          <p:cNvPr id="17" name="Rechteckiger Pfeil 16"/>
-          <p:cNvSpPr/>
-          <p:nvPr/>
-        </p:nvSpPr>
-        <p:spPr>
-          <a:xfrm flipV="1">
-            <a:off x="1275382" y="4895864"/>
-            <a:ext cx="1065907" cy="1164968"/>
-          </a:xfrm>
-          <a:prstGeom prst="bentArrow">
-            <a:avLst/>
-          </a:prstGeom>
-        </p:spPr>
-        <p:style>
-          <a:lnRef idx="2">
-            <a:schemeClr val="accent6"/>
-          </a:lnRef>
-          <a:fillRef idx="1">
-            <a:schemeClr val="lt1"/>
-          </a:fillRef>
-          <a:effectRef idx="0">
-            <a:schemeClr val="accent6"/>
-          </a:effectRef>
-          <a:fontRef idx="minor">
-            <a:schemeClr val="dk1"/>
-          </a:fontRef>
-        </p:style>
-        <p:txBody>
-          <a:bodyPr rtlCol="0" anchor="ctr"/>
-          <a:lstStyle/>
-          <a:p>
-            <a:pPr algn="ctr"/>
-            <a:endParaRPr lang="de-DE">
-              <a:solidFill>
-                <a:schemeClr val="tx1"/>
-              </a:solidFill>
-            </a:endParaRPr>
-          </a:p>
-        </p:txBody>
-      </p:sp>
-      <p:sp>
-        <p:nvSpPr>
-          <p:cNvPr id="15" name="Rechteckiger Pfeil 14"/>
-          <p:cNvSpPr/>
-          <p:nvPr/>
-        </p:nvSpPr>
-        <p:spPr>
-          <a:xfrm rot="16200000" flipH="1">
-            <a:off x="1179516" y="1069397"/>
-            <a:ext cx="1176991" cy="985259"/>
-          </a:xfrm>
-          <a:prstGeom prst="bentArrow">
-            <a:avLst>
-              <a:gd name="adj1" fmla="val 25000"/>
-              <a:gd name="adj2" fmla="val 24185"/>
-              <a:gd name="adj3" fmla="val 25000"/>
-              <a:gd name="adj4" fmla="val 43750"/>
-            </a:avLst>
-          </a:prstGeom>
-        </p:spPr>
-        <p:style>
-          <a:lnRef idx="2">
-            <a:schemeClr val="accent6"/>
-          </a:lnRef>
-          <a:fillRef idx="1">
-            <a:schemeClr val="lt1"/>
-          </a:fillRef>
-          <a:effectRef idx="0">
-            <a:schemeClr val="accent6"/>
-          </a:effectRef>
-          <a:fontRef idx="minor">
-            <a:schemeClr val="dk1"/>
-          </a:fontRef>
-        </p:style>
-        <p:txBody>
-          <a:bodyPr rtlCol="0" anchor="ctr"/>
-          <a:lstStyle/>
-          <a:p>
-            <a:pPr algn="ctr"/>
-            <a:endParaRPr lang="de-DE">
-              <a:solidFill>
-                <a:schemeClr val="tx1"/>
-              </a:solidFill>
-            </a:endParaRPr>
-          </a:p>
-        </p:txBody>
-      </p:sp>
-      <p:sp>
-        <p:nvSpPr>
-          <p:cNvPr id="16" name="Rechteckiger Pfeil 15"/>
-          <p:cNvSpPr/>
-          <p:nvPr/>
-        </p:nvSpPr>
-        <p:spPr>
-          <a:xfrm rot="16200000" flipV="1">
-            <a:off x="9976508" y="4895863"/>
-            <a:ext cx="1065907" cy="1164968"/>
-          </a:xfrm>
-          <a:prstGeom prst="bentArrow">
-            <a:avLst/>
-          </a:prstGeom>
-        </p:spPr>
-        <p:style>
-          <a:lnRef idx="2">
-            <a:schemeClr val="accent6"/>
-          </a:lnRef>
-          <a:fillRef idx="1">
-            <a:schemeClr val="lt1"/>
-          </a:fillRef>
-          <a:effectRef idx="0">
-            <a:schemeClr val="accent6"/>
-          </a:effectRef>
-          <a:fontRef idx="minor">
-            <a:schemeClr val="dk1"/>
-          </a:fontRef>
-        </p:style>
-        <p:txBody>
-          <a:bodyPr rtlCol="0" anchor="ctr"/>
-          <a:lstStyle/>
-          <a:p>
-            <a:pPr algn="ctr"/>
-            <a:endParaRPr lang="de-DE">
-              <a:solidFill>
-                <a:schemeClr val="tx1"/>
-              </a:solidFill>
-            </a:endParaRPr>
-          </a:p>
-        </p:txBody>
-      </p:sp>
       <p:pic>
         <p:nvPicPr>
-          <p:cNvPr id="2" name="Bild 1"/>
+          <p:cNvPr id="5" name="图片 4"/>
           <p:cNvPicPr>
             <a:picLocks noChangeAspect="1"/>
           </p:cNvPicPr>
           <p:nvPr/>
         </p:nvPicPr>
-        <p:blipFill rotWithShape="1">
-          <a:blip r:embed="rId5">
+        <p:blipFill>
+          <a:blip r:embed="rId3">
             <a:extLst>
               <a:ext uri="{28A0092B-C50C-407E-A947-70E740481C1C}">
                 <a14:useLocalDpi xmlns:a14="http://schemas.microsoft.com/office/drawing/2010/main" val="0"/>
               </a:ext>
             </a:extLst>
           </a:blip>
-          <a:srcRect t="1247" b="13694"/>
-          <a:stretch/>
+          <a:stretch>
+            <a:fillRect/>
+          </a:stretch>
         </p:blipFill>
         <p:spPr>
           <a:xfrm>
-            <a:off x="2412328" y="5193657"/>
-            <a:ext cx="7443611" cy="1049557"/>
+            <a:off x="692150" y="4624853"/>
+            <a:ext cx="10985500" cy="1701800"/>
           </a:xfrm>
           <a:prstGeom prst="rect">
             <a:avLst/>
           </a:prstGeom>
         </p:spPr>
       </p:pic>
-      <p:sp>
-        <p:nvSpPr>
-          <p:cNvPr id="19" name="Rechteckiger Pfeil 18"/>
+      <p:cxnSp>
+        <p:nvCxnSpPr>
+          <p:cNvPr id="7" name="直线箭头连接符 6"/>
+          <p:cNvCxnSpPr/>
+          <p:nvPr/>
+        </p:nvCxnSpPr>
+        <p:spPr>
+          <a:xfrm flipH="1">
+            <a:off x="3285068" y="3916715"/>
+            <a:ext cx="1593852" cy="935523"/>
+          </a:xfrm>
+          <a:prstGeom prst="straightConnector1">
+            <a:avLst/>
+          </a:prstGeom>
+          <a:ln w="25400">
+            <a:prstDash val="sysDash"/>
+            <a:tailEnd type="triangle"/>
+          </a:ln>
+        </p:spPr>
+        <p:style>
+          <a:lnRef idx="1">
+            <a:schemeClr val="accent1"/>
+          </a:lnRef>
+          <a:fillRef idx="0">
+            <a:schemeClr val="accent1"/>
+          </a:fillRef>
+          <a:effectRef idx="0">
+            <a:schemeClr val="accent1"/>
+          </a:effectRef>
+          <a:fontRef idx="minor">
+            <a:schemeClr val="tx1"/>
+          </a:fontRef>
+        </p:style>
+      </p:cxnSp>
+      <p:cxnSp>
+        <p:nvCxnSpPr>
+          <p:cNvPr id="10" name="直线箭头连接符 9"/>
+          <p:cNvCxnSpPr/>
+          <p:nvPr/>
+        </p:nvCxnSpPr>
+        <p:spPr>
+          <a:xfrm>
+            <a:off x="6011335" y="3916715"/>
+            <a:ext cx="0" cy="901015"/>
+          </a:xfrm>
+          <a:prstGeom prst="straightConnector1">
+            <a:avLst/>
+          </a:prstGeom>
+          <a:ln w="25400">
+            <a:prstDash val="sysDash"/>
+            <a:tailEnd type="triangle"/>
+          </a:ln>
+        </p:spPr>
+        <p:style>
+          <a:lnRef idx="1">
+            <a:schemeClr val="accent1"/>
+          </a:lnRef>
+          <a:fillRef idx="0">
+            <a:schemeClr val="accent1"/>
+          </a:fillRef>
+          <a:effectRef idx="0">
+            <a:schemeClr val="accent1"/>
+          </a:effectRef>
+          <a:fontRef idx="minor">
+            <a:schemeClr val="tx1"/>
+          </a:fontRef>
+        </p:style>
+      </p:cxnSp>
+      <p:cxnSp>
+        <p:nvCxnSpPr>
+          <p:cNvPr id="12" name="直线箭头连接符 11"/>
+          <p:cNvCxnSpPr/>
+          <p:nvPr/>
+        </p:nvCxnSpPr>
+        <p:spPr>
+          <a:xfrm>
+            <a:off x="7313081" y="3936351"/>
+            <a:ext cx="1392770" cy="881379"/>
+          </a:xfrm>
+          <a:prstGeom prst="straightConnector1">
+            <a:avLst/>
+          </a:prstGeom>
+          <a:ln w="25400">
+            <a:prstDash val="sysDash"/>
+            <a:tailEnd type="triangle"/>
+          </a:ln>
+        </p:spPr>
+        <p:style>
+          <a:lnRef idx="1">
+            <a:schemeClr val="accent1"/>
+          </a:lnRef>
+          <a:fillRef idx="0">
+            <a:schemeClr val="accent1"/>
+          </a:fillRef>
+          <a:effectRef idx="0">
+            <a:schemeClr val="accent1"/>
+          </a:effectRef>
+          <a:fontRef idx="minor">
+            <a:schemeClr val="tx1"/>
+          </a:fontRef>
+        </p:style>
+      </p:cxnSp>
+      <p:sp>
+        <p:nvSpPr>
+          <p:cNvPr id="44" name="矩形 43"/>
           <p:cNvSpPr/>
           <p:nvPr/>
         </p:nvSpPr>
         <p:spPr>
-          <a:xfrm flipH="1">
-            <a:off x="9792658" y="885388"/>
-            <a:ext cx="1176991" cy="985259"/>
-          </a:xfrm>
-          <a:prstGeom prst="bentArrow">
-            <a:avLst>
-              <a:gd name="adj1" fmla="val 25000"/>
-              <a:gd name="adj2" fmla="val 24185"/>
-              <a:gd name="adj3" fmla="val 25000"/>
-              <a:gd name="adj4" fmla="val 43750"/>
-            </a:avLst>
+          <a:xfrm>
+            <a:off x="734481" y="4817730"/>
+            <a:ext cx="1291173" cy="1530610"/>
+          </a:xfrm>
+          <a:prstGeom prst="rect">
+            <a:avLst/>
           </a:prstGeom>
+          <a:solidFill>
+            <a:schemeClr val="bg1"/>
+          </a:solidFill>
+          <a:ln>
+            <a:noFill/>
+          </a:ln>
         </p:spPr>
         <p:style>
           <a:lnRef idx="2">
-            <a:schemeClr val="accent6"/>
+            <a:schemeClr val="accent1">
+              <a:shade val="50000"/>
+            </a:schemeClr>
           </a:lnRef>
           <a:fillRef idx="1">
-            <a:schemeClr val="lt1"/>
+            <a:schemeClr val="accent1"/>
           </a:fillRef>
           <a:effectRef idx="0">
-            <a:schemeClr val="accent6"/>
+            <a:schemeClr val="accent1"/>
           </a:effectRef>
           <a:fontRef idx="minor">
-            <a:schemeClr val="dk1"/>
+            <a:schemeClr val="lt1"/>
           </a:fontRef>
         </p:style>
         <p:txBody>
@@ -3938,93 +3595,482 @@
           <a:lstStyle/>
           <a:p>
             <a:pPr algn="ctr"/>
-            <a:endParaRPr lang="de-DE">
-              <a:solidFill>
-                <a:schemeClr val="tx1"/>
-              </a:solidFill>
-            </a:endParaRPr>
-          </a:p>
-        </p:txBody>
-      </p:sp>
+            <a:endParaRPr kumimoji="1" lang="zh-CN" altLang="en-US"/>
+          </a:p>
+        </p:txBody>
+      </p:sp>
+      <p:sp>
+        <p:nvSpPr>
+          <p:cNvPr id="45" name="矩形 44"/>
+          <p:cNvSpPr/>
+          <p:nvPr/>
+        </p:nvSpPr>
+        <p:spPr>
+          <a:xfrm>
+            <a:off x="10391535" y="4624853"/>
+            <a:ext cx="1291173" cy="1530610"/>
+          </a:xfrm>
+          <a:prstGeom prst="rect">
+            <a:avLst/>
+          </a:prstGeom>
+          <a:solidFill>
+            <a:schemeClr val="bg1"/>
+          </a:solidFill>
+          <a:ln>
+            <a:noFill/>
+          </a:ln>
+        </p:spPr>
+        <p:style>
+          <a:lnRef idx="2">
+            <a:schemeClr val="accent1">
+              <a:shade val="50000"/>
+            </a:schemeClr>
+          </a:lnRef>
+          <a:fillRef idx="1">
+            <a:schemeClr val="accent1"/>
+          </a:fillRef>
+          <a:effectRef idx="0">
+            <a:schemeClr val="accent1"/>
+          </a:effectRef>
+          <a:fontRef idx="minor">
+            <a:schemeClr val="lt1"/>
+          </a:fontRef>
+        </p:style>
+        <p:txBody>
+          <a:bodyPr rtlCol="0" anchor="ctr"/>
+          <a:lstStyle/>
+          <a:p>
+            <a:pPr algn="ctr"/>
+            <a:endParaRPr kumimoji="1" lang="zh-CN" altLang="en-US"/>
+          </a:p>
+        </p:txBody>
+      </p:sp>
+      <p:sp>
+        <p:nvSpPr>
+          <p:cNvPr id="46" name="文本框 45"/>
+          <p:cNvSpPr txBox="1"/>
+          <p:nvPr/>
+        </p:nvSpPr>
+        <p:spPr>
+          <a:xfrm>
+            <a:off x="1295399" y="5324953"/>
+            <a:ext cx="772586" cy="369332"/>
+          </a:xfrm>
+          <a:prstGeom prst="rect">
+            <a:avLst/>
+          </a:prstGeom>
+          <a:noFill/>
+        </p:spPr>
+        <p:txBody>
+          <a:bodyPr wrap="square" rtlCol="0">
+            <a:spAutoFit/>
+          </a:bodyPr>
+          <a:lstStyle/>
+          <a:p>
+            <a:r>
+              <a:rPr kumimoji="1" lang="en-US" altLang="zh-CN" dirty="0"/>
+              <a:t>I</a:t>
+            </a:r>
+            <a:r>
+              <a:rPr kumimoji="1" lang="en-US" altLang="zh-CN" dirty="0" smtClean="0"/>
+              <a:t>nput</a:t>
+            </a:r>
+            <a:endParaRPr kumimoji="1" lang="zh-CN" altLang="en-US" dirty="0"/>
+          </a:p>
+        </p:txBody>
+      </p:sp>
+      <p:sp>
+        <p:nvSpPr>
+          <p:cNvPr id="48" name="文本框 47"/>
+          <p:cNvSpPr txBox="1"/>
+          <p:nvPr/>
+        </p:nvSpPr>
+        <p:spPr>
+          <a:xfrm>
+            <a:off x="10434099" y="5324953"/>
+            <a:ext cx="902768" cy="369332"/>
+          </a:xfrm>
+          <a:prstGeom prst="rect">
+            <a:avLst/>
+          </a:prstGeom>
+          <a:noFill/>
+        </p:spPr>
+        <p:txBody>
+          <a:bodyPr wrap="square" rtlCol="0">
+            <a:spAutoFit/>
+          </a:bodyPr>
+          <a:lstStyle/>
+          <a:p>
+            <a:r>
+              <a:rPr kumimoji="1" lang="en-US" altLang="zh-CN" dirty="0"/>
+              <a:t>O</a:t>
+            </a:r>
+            <a:r>
+              <a:rPr kumimoji="1" lang="en-US" altLang="zh-CN" dirty="0" smtClean="0"/>
+              <a:t>utput</a:t>
+            </a:r>
+            <a:endParaRPr kumimoji="1" lang="zh-CN" altLang="en-US" dirty="0"/>
+          </a:p>
+        </p:txBody>
+      </p:sp>
+      <p:sp>
+        <p:nvSpPr>
+          <p:cNvPr id="49" name="矩形 48"/>
+          <p:cNvSpPr/>
+          <p:nvPr/>
+        </p:nvSpPr>
+        <p:spPr>
+          <a:xfrm>
+            <a:off x="400050" y="-205120"/>
+            <a:ext cx="11658600" cy="6705600"/>
+          </a:xfrm>
+          <a:prstGeom prst="rect">
+            <a:avLst/>
+          </a:prstGeom>
+          <a:noFill/>
+          <a:ln w="47625">
+            <a:solidFill>
+              <a:schemeClr val="accent1"/>
+            </a:solidFill>
+          </a:ln>
+        </p:spPr>
+        <p:style>
+          <a:lnRef idx="2">
+            <a:schemeClr val="accent1">
+              <a:shade val="50000"/>
+            </a:schemeClr>
+          </a:lnRef>
+          <a:fillRef idx="1">
+            <a:schemeClr val="accent1"/>
+          </a:fillRef>
+          <a:effectRef idx="0">
+            <a:schemeClr val="accent1"/>
+          </a:effectRef>
+          <a:fontRef idx="minor">
+            <a:schemeClr val="lt1"/>
+          </a:fontRef>
+        </p:style>
+        <p:txBody>
+          <a:bodyPr rtlCol="0" anchor="ctr"/>
+          <a:lstStyle/>
+          <a:p>
+            <a:pPr algn="ctr"/>
+            <a:endParaRPr kumimoji="1" lang="zh-CN" altLang="en-US"/>
+          </a:p>
+        </p:txBody>
+      </p:sp>
+      <p:sp>
+        <p:nvSpPr>
+          <p:cNvPr id="50" name="文本框 49"/>
+          <p:cNvSpPr txBox="1"/>
+          <p:nvPr/>
+        </p:nvSpPr>
+        <p:spPr>
+          <a:xfrm>
+            <a:off x="4450138" y="-1259012"/>
+            <a:ext cx="5219701" cy="584775"/>
+          </a:xfrm>
+          <a:prstGeom prst="rect">
+            <a:avLst/>
+          </a:prstGeom>
+          <a:noFill/>
+        </p:spPr>
+        <p:txBody>
+          <a:bodyPr wrap="square" rtlCol="0">
+            <a:spAutoFit/>
+          </a:bodyPr>
+          <a:lstStyle/>
+          <a:p>
+            <a:r>
+              <a:rPr kumimoji="1" lang="en-US" altLang="zh-CN" sz="3200" dirty="0" smtClean="0"/>
+              <a:t>Bayesian</a:t>
+            </a:r>
+            <a:r>
+              <a:rPr kumimoji="1" lang="zh-CN" altLang="en-US" sz="3200" dirty="0" smtClean="0"/>
+              <a:t> </a:t>
+            </a:r>
+            <a:r>
+              <a:rPr kumimoji="1" lang="en-US" altLang="zh-CN" sz="3200" dirty="0" smtClean="0"/>
+              <a:t>Optimization</a:t>
+            </a:r>
+            <a:endParaRPr kumimoji="1" lang="zh-CN" altLang="en-US" sz="3200" dirty="0"/>
+          </a:p>
+        </p:txBody>
+      </p:sp>
+      <p:sp>
+        <p:nvSpPr>
+          <p:cNvPr id="51" name="文本框 50"/>
+          <p:cNvSpPr txBox="1"/>
+          <p:nvPr/>
+        </p:nvSpPr>
+        <p:spPr>
+          <a:xfrm>
+            <a:off x="-1275337" y="-1389576"/>
+            <a:ext cx="4215189" cy="830997"/>
+          </a:xfrm>
+          <a:prstGeom prst="rect">
+            <a:avLst/>
+          </a:prstGeom>
+          <a:noFill/>
+        </p:spPr>
+        <p:txBody>
+          <a:bodyPr wrap="square" rtlCol="0">
+            <a:spAutoFit/>
+          </a:bodyPr>
+          <a:lstStyle/>
+          <a:p>
+            <a:r>
+              <a:rPr kumimoji="1" lang="en-US" altLang="zh-CN" sz="2400" dirty="0" err="1"/>
+              <a:t>l</a:t>
+            </a:r>
+            <a:r>
+              <a:rPr kumimoji="1" lang="en-US" altLang="zh-CN" sz="2400" dirty="0" err="1" smtClean="0"/>
+              <a:t>earning_rate</a:t>
+            </a:r>
+            <a:r>
+              <a:rPr kumimoji="1" lang="en-US" altLang="zh-CN" sz="2400" dirty="0" smtClean="0"/>
+              <a:t>,</a:t>
+            </a:r>
+            <a:r>
+              <a:rPr kumimoji="1" lang="zh-CN" altLang="en-US" sz="2400" dirty="0"/>
+              <a:t> </a:t>
+            </a:r>
+            <a:r>
+              <a:rPr kumimoji="1" lang="en-US" altLang="zh-CN" sz="2400" dirty="0" err="1" smtClean="0"/>
+              <a:t>weight_decay</a:t>
+            </a:r>
+            <a:r>
+              <a:rPr kumimoji="1" lang="en-US" altLang="zh-CN" sz="2400" dirty="0" smtClean="0"/>
+              <a:t>,</a:t>
+            </a:r>
+            <a:r>
+              <a:rPr kumimoji="1" lang="zh-CN" altLang="en-US" sz="2400" dirty="0" smtClean="0"/>
+              <a:t> </a:t>
+            </a:r>
+            <a:endParaRPr kumimoji="1" lang="en-US" altLang="zh-CN" sz="2400" dirty="0" smtClean="0"/>
+          </a:p>
+          <a:p>
+            <a:r>
+              <a:rPr kumimoji="1" lang="en-US" altLang="zh-CN" sz="2400" dirty="0" err="1" smtClean="0"/>
+              <a:t>num_epochs</a:t>
+            </a:r>
+            <a:r>
+              <a:rPr kumimoji="1" lang="en-US" altLang="zh-CN" sz="2400" dirty="0" smtClean="0"/>
+              <a:t>,</a:t>
+            </a:r>
+            <a:r>
+              <a:rPr kumimoji="1" lang="zh-CN" altLang="en-US" sz="2400" dirty="0" smtClean="0"/>
+              <a:t> </a:t>
+            </a:r>
+            <a:r>
+              <a:rPr kumimoji="1" lang="en-US" altLang="zh-CN" sz="2400" dirty="0" smtClean="0"/>
+              <a:t>factor</a:t>
+            </a:r>
+            <a:r>
+              <a:rPr kumimoji="1" lang="zh-CN" altLang="en-US" sz="2400" dirty="0" smtClean="0"/>
+              <a:t> </a:t>
+            </a:r>
+            <a:r>
+              <a:rPr kumimoji="1" lang="en-US" altLang="zh-CN" sz="2400" dirty="0" smtClean="0"/>
+              <a:t>...</a:t>
+            </a:r>
+            <a:r>
+              <a:rPr kumimoji="1" lang="zh-CN" altLang="en-US" sz="2400" dirty="0" smtClean="0"/>
+              <a:t>  </a:t>
+            </a:r>
+            <a:endParaRPr kumimoji="1" lang="zh-CN" altLang="en-US" sz="1600" dirty="0"/>
+          </a:p>
+        </p:txBody>
+      </p:sp>
+      <p:cxnSp>
+        <p:nvCxnSpPr>
+          <p:cNvPr id="63" name="直线箭头连接符 62"/>
+          <p:cNvCxnSpPr/>
+          <p:nvPr/>
+        </p:nvCxnSpPr>
+        <p:spPr>
+          <a:xfrm>
+            <a:off x="-53460" y="-482379"/>
+            <a:ext cx="360000" cy="1332629"/>
+          </a:xfrm>
+          <a:prstGeom prst="straightConnector1">
+            <a:avLst/>
+          </a:prstGeom>
+          <a:ln w="34925">
+            <a:solidFill>
+              <a:schemeClr val="tx1"/>
+            </a:solidFill>
+            <a:headEnd w="lg" len="lg"/>
+            <a:tailEnd type="triangle" w="lg" len="lg"/>
+          </a:ln>
+        </p:spPr>
+        <p:style>
+          <a:lnRef idx="1">
+            <a:schemeClr val="accent1"/>
+          </a:lnRef>
+          <a:fillRef idx="0">
+            <a:schemeClr val="accent1"/>
+          </a:fillRef>
+          <a:effectRef idx="0">
+            <a:schemeClr val="accent1"/>
+          </a:effectRef>
+          <a:fontRef idx="minor">
+            <a:schemeClr val="tx1"/>
+          </a:fontRef>
+        </p:style>
+      </p:cxnSp>
+      <p:sp>
+        <p:nvSpPr>
+          <p:cNvPr id="68" name="文本框 67"/>
+          <p:cNvSpPr txBox="1"/>
+          <p:nvPr/>
+        </p:nvSpPr>
+        <p:spPr>
+          <a:xfrm>
+            <a:off x="11180125" y="-1150327"/>
+            <a:ext cx="2556041" cy="461665"/>
+          </a:xfrm>
+          <a:prstGeom prst="rect">
+            <a:avLst/>
+          </a:prstGeom>
+          <a:noFill/>
+        </p:spPr>
+        <p:txBody>
+          <a:bodyPr wrap="square" rtlCol="0">
+            <a:spAutoFit/>
+          </a:bodyPr>
+          <a:lstStyle/>
+          <a:p>
+            <a:r>
+              <a:rPr kumimoji="1" lang="en-US" altLang="zh-CN" sz="2400" dirty="0" smtClean="0"/>
+              <a:t>test</a:t>
+            </a:r>
+            <a:r>
+              <a:rPr kumimoji="1" lang="zh-CN" altLang="en-US" sz="2400" dirty="0" smtClean="0"/>
+              <a:t> </a:t>
+            </a:r>
+            <a:r>
+              <a:rPr kumimoji="1" lang="en-US" altLang="zh-CN" sz="2400" dirty="0" smtClean="0"/>
+              <a:t>accuracy</a:t>
+            </a:r>
+          </a:p>
+        </p:txBody>
+      </p:sp>
+      <p:cxnSp>
+        <p:nvCxnSpPr>
+          <p:cNvPr id="69" name="直线箭头连接符 68"/>
+          <p:cNvCxnSpPr/>
+          <p:nvPr/>
+        </p:nvCxnSpPr>
+        <p:spPr>
+          <a:xfrm flipH="1">
+            <a:off x="12139830" y="-477516"/>
+            <a:ext cx="360000" cy="1332000"/>
+          </a:xfrm>
+          <a:prstGeom prst="straightConnector1">
+            <a:avLst/>
+          </a:prstGeom>
+          <a:ln w="34925">
+            <a:solidFill>
+              <a:schemeClr val="tx1"/>
+            </a:solidFill>
+            <a:headEnd type="triangle" w="lg" len="lg"/>
+            <a:tailEnd type="none"/>
+          </a:ln>
+        </p:spPr>
+        <p:style>
+          <a:lnRef idx="1">
+            <a:schemeClr val="accent1"/>
+          </a:lnRef>
+          <a:fillRef idx="0">
+            <a:schemeClr val="accent1"/>
+          </a:fillRef>
+          <a:effectRef idx="0">
+            <a:schemeClr val="accent1"/>
+          </a:effectRef>
+          <a:fontRef idx="minor">
+            <a:schemeClr val="tx1"/>
+          </a:fontRef>
+        </p:style>
+      </p:cxnSp>
+      <p:cxnSp>
+        <p:nvCxnSpPr>
+          <p:cNvPr id="19" name="直线箭头连接符 18"/>
+          <p:cNvCxnSpPr/>
+          <p:nvPr/>
+        </p:nvCxnSpPr>
+        <p:spPr>
+          <a:xfrm flipV="1">
+            <a:off x="8910925" y="-919495"/>
+            <a:ext cx="1440000" cy="0"/>
+          </a:xfrm>
+          <a:prstGeom prst="straightConnector1">
+            <a:avLst/>
+          </a:prstGeom>
+          <a:ln w="34925">
+            <a:solidFill>
+              <a:schemeClr val="tx1"/>
+            </a:solidFill>
+            <a:headEnd type="triangle" w="lg" len="lg"/>
+            <a:tailEnd type="none"/>
+          </a:ln>
+        </p:spPr>
+        <p:style>
+          <a:lnRef idx="1">
+            <a:schemeClr val="accent1"/>
+          </a:lnRef>
+          <a:fillRef idx="0">
+            <a:schemeClr val="accent1"/>
+          </a:fillRef>
+          <a:effectRef idx="0">
+            <a:schemeClr val="accent1"/>
+          </a:effectRef>
+          <a:fontRef idx="minor">
+            <a:schemeClr val="tx1"/>
+          </a:fontRef>
+        </p:style>
+      </p:cxnSp>
+      <p:cxnSp>
+        <p:nvCxnSpPr>
+          <p:cNvPr id="22" name="直线箭头连接符 21"/>
+          <p:cNvCxnSpPr/>
+          <p:nvPr/>
+        </p:nvCxnSpPr>
+        <p:spPr>
+          <a:xfrm flipV="1">
+            <a:off x="2798990" y="-966625"/>
+            <a:ext cx="1440000" cy="0"/>
+          </a:xfrm>
+          <a:prstGeom prst="straightConnector1">
+            <a:avLst/>
+          </a:prstGeom>
+          <a:ln w="34925">
+            <a:solidFill>
+              <a:schemeClr val="tx1"/>
+            </a:solidFill>
+            <a:headEnd type="triangle" w="lg" len="lg"/>
+            <a:tailEnd type="none"/>
+          </a:ln>
+        </p:spPr>
+        <p:style>
+          <a:lnRef idx="1">
+            <a:schemeClr val="accent1"/>
+          </a:lnRef>
+          <a:fillRef idx="0">
+            <a:schemeClr val="accent1"/>
+          </a:fillRef>
+          <a:effectRef idx="0">
+            <a:schemeClr val="accent1"/>
+          </a:effectRef>
+          <a:fontRef idx="minor">
+            <a:schemeClr val="tx1"/>
+          </a:fontRef>
+        </p:style>
+      </p:cxnSp>
     </p:spTree>
     <p:extLst>
       <p:ext uri="{BB962C8B-B14F-4D97-AF65-F5344CB8AC3E}">
         <p14:creationId xmlns:p14="http://schemas.microsoft.com/office/powerpoint/2010/main" val="906886428"/>
-      </p:ext>
-    </p:extLst>
-  </p:cSld>
-  <p:clrMapOvr>
-    <a:masterClrMapping/>
-  </p:clrMapOvr>
-  <p:timing>
-    <p:tnLst>
-      <p:par>
-        <p:cTn id="1" dur="indefinite" restart="never" nodeType="tmRoot"/>
-      </p:par>
-    </p:tnLst>
-  </p:timing>
-</p:sld>
-</file>
-
-<file path=ppt/slides/slide2.xml><?xml version="1.0" encoding="utf-8"?>
-<p:sld xmlns:a="http://schemas.openxmlformats.org/drawingml/2006/main" xmlns:r="http://schemas.openxmlformats.org/officeDocument/2006/relationships" xmlns:p="http://schemas.openxmlformats.org/presentationml/2006/main">
-  <p:cSld>
-    <p:spTree>
-      <p:nvGrpSpPr>
-        <p:cNvPr id="1" name=""/>
-        <p:cNvGrpSpPr/>
-        <p:nvPr/>
-      </p:nvGrpSpPr>
-      <p:grpSpPr>
-        <a:xfrm>
-          <a:off x="0" y="0"/>
-          <a:ext cx="0" cy="0"/>
-          <a:chOff x="0" y="0"/>
-          <a:chExt cx="0" cy="0"/>
-        </a:xfrm>
-      </p:grpSpPr>
-      <p:sp>
-        <p:nvSpPr>
-          <p:cNvPr id="2" name="Titel 1"/>
-          <p:cNvSpPr>
-            <a:spLocks noGrp="1"/>
-          </p:cNvSpPr>
-          <p:nvPr>
-            <p:ph type="title"/>
-          </p:nvPr>
-        </p:nvSpPr>
-        <p:spPr/>
-        <p:txBody>
-          <a:bodyPr/>
-          <a:lstStyle/>
-          <a:p>
-            <a:endParaRPr lang="de-DE"/>
-          </a:p>
-        </p:txBody>
-      </p:sp>
-      <p:sp>
-        <p:nvSpPr>
-          <p:cNvPr id="3" name="Inhaltsplatzhalter 2"/>
-          <p:cNvSpPr>
-            <a:spLocks noGrp="1"/>
-          </p:cNvSpPr>
-          <p:nvPr>
-            <p:ph idx="1"/>
-          </p:nvPr>
-        </p:nvSpPr>
-        <p:spPr/>
-        <p:txBody>
-          <a:bodyPr/>
-          <a:lstStyle/>
-          <a:p>
-            <a:endParaRPr lang="de-DE"/>
-          </a:p>
-        </p:txBody>
-      </p:sp>
-    </p:spTree>
-    <p:extLst>
-      <p:ext uri="{BB962C8B-B14F-4D97-AF65-F5344CB8AC3E}">
-        <p14:creationId xmlns:p14="http://schemas.microsoft.com/office/powerpoint/2010/main" val="2059343545"/>
       </p:ext>
     </p:extLst>
   </p:cSld>
